--- a/img/arquitectura.pptx
+++ b/img/arquitectura.pptx
@@ -288,7 +288,8 @@
           <a:p>
             <a:fld id="{280F1E82-D1C5-4616-B902-D8CD03BF7D5D}" type="datetimeFigureOut">
               <a:rPr lang="es-ES" smtClean="0"/>
-              <a:t>18/05/2015</a:t>
+              <a:pPr/>
+              <a:t>20/05/2015</a:t>
             </a:fld>
             <a:endParaRPr lang="es-ES"/>
           </a:p>
@@ -330,6 +331,7 @@
           <a:p>
             <a:fld id="{E0AE9534-16A8-4212-B44F-90C1555197EC}" type="slidenum">
               <a:rPr lang="es-ES" smtClean="0"/>
+              <a:pPr/>
               <a:t>‹Nº›</a:t>
             </a:fld>
             <a:endParaRPr lang="es-ES"/>
@@ -453,7 +455,8 @@
           <a:p>
             <a:fld id="{280F1E82-D1C5-4616-B902-D8CD03BF7D5D}" type="datetimeFigureOut">
               <a:rPr lang="es-ES" smtClean="0"/>
-              <a:t>18/05/2015</a:t>
+              <a:pPr/>
+              <a:t>20/05/2015</a:t>
             </a:fld>
             <a:endParaRPr lang="es-ES"/>
           </a:p>
@@ -495,6 +498,7 @@
           <a:p>
             <a:fld id="{E0AE9534-16A8-4212-B44F-90C1555197EC}" type="slidenum">
               <a:rPr lang="es-ES" smtClean="0"/>
+              <a:pPr/>
               <a:t>‹Nº›</a:t>
             </a:fld>
             <a:endParaRPr lang="es-ES"/>
@@ -628,7 +632,8 @@
           <a:p>
             <a:fld id="{280F1E82-D1C5-4616-B902-D8CD03BF7D5D}" type="datetimeFigureOut">
               <a:rPr lang="es-ES" smtClean="0"/>
-              <a:t>18/05/2015</a:t>
+              <a:pPr/>
+              <a:t>20/05/2015</a:t>
             </a:fld>
             <a:endParaRPr lang="es-ES"/>
           </a:p>
@@ -670,6 +675,7 @@
           <a:p>
             <a:fld id="{E0AE9534-16A8-4212-B44F-90C1555197EC}" type="slidenum">
               <a:rPr lang="es-ES" smtClean="0"/>
+              <a:pPr/>
               <a:t>‹Nº›</a:t>
             </a:fld>
             <a:endParaRPr lang="es-ES"/>
@@ -793,7 +799,8 @@
           <a:p>
             <a:fld id="{280F1E82-D1C5-4616-B902-D8CD03BF7D5D}" type="datetimeFigureOut">
               <a:rPr lang="es-ES" smtClean="0"/>
-              <a:t>18/05/2015</a:t>
+              <a:pPr/>
+              <a:t>20/05/2015</a:t>
             </a:fld>
             <a:endParaRPr lang="es-ES"/>
           </a:p>
@@ -835,6 +842,7 @@
           <a:p>
             <a:fld id="{E0AE9534-16A8-4212-B44F-90C1555197EC}" type="slidenum">
               <a:rPr lang="es-ES" smtClean="0"/>
+              <a:pPr/>
               <a:t>‹Nº›</a:t>
             </a:fld>
             <a:endParaRPr lang="es-ES"/>
@@ -1034,7 +1042,8 @@
           <a:p>
             <a:fld id="{280F1E82-D1C5-4616-B902-D8CD03BF7D5D}" type="datetimeFigureOut">
               <a:rPr lang="es-ES" smtClean="0"/>
-              <a:t>18/05/2015</a:t>
+              <a:pPr/>
+              <a:t>20/05/2015</a:t>
             </a:fld>
             <a:endParaRPr lang="es-ES"/>
           </a:p>
@@ -1076,6 +1085,7 @@
           <a:p>
             <a:fld id="{E0AE9534-16A8-4212-B44F-90C1555197EC}" type="slidenum">
               <a:rPr lang="es-ES" smtClean="0"/>
+              <a:pPr/>
               <a:t>‹Nº›</a:t>
             </a:fld>
             <a:endParaRPr lang="es-ES"/>
@@ -1317,7 +1327,8 @@
           <a:p>
             <a:fld id="{280F1E82-D1C5-4616-B902-D8CD03BF7D5D}" type="datetimeFigureOut">
               <a:rPr lang="es-ES" smtClean="0"/>
-              <a:t>18/05/2015</a:t>
+              <a:pPr/>
+              <a:t>20/05/2015</a:t>
             </a:fld>
             <a:endParaRPr lang="es-ES"/>
           </a:p>
@@ -1359,6 +1370,7 @@
           <a:p>
             <a:fld id="{E0AE9534-16A8-4212-B44F-90C1555197EC}" type="slidenum">
               <a:rPr lang="es-ES" smtClean="0"/>
+              <a:pPr/>
               <a:t>‹Nº›</a:t>
             </a:fld>
             <a:endParaRPr lang="es-ES"/>
@@ -1734,7 +1746,8 @@
           <a:p>
             <a:fld id="{280F1E82-D1C5-4616-B902-D8CD03BF7D5D}" type="datetimeFigureOut">
               <a:rPr lang="es-ES" smtClean="0"/>
-              <a:t>18/05/2015</a:t>
+              <a:pPr/>
+              <a:t>20/05/2015</a:t>
             </a:fld>
             <a:endParaRPr lang="es-ES"/>
           </a:p>
@@ -1776,6 +1789,7 @@
           <a:p>
             <a:fld id="{E0AE9534-16A8-4212-B44F-90C1555197EC}" type="slidenum">
               <a:rPr lang="es-ES" smtClean="0"/>
+              <a:pPr/>
               <a:t>‹Nº›</a:t>
             </a:fld>
             <a:endParaRPr lang="es-ES"/>
@@ -1847,7 +1861,8 @@
           <a:p>
             <a:fld id="{280F1E82-D1C5-4616-B902-D8CD03BF7D5D}" type="datetimeFigureOut">
               <a:rPr lang="es-ES" smtClean="0"/>
-              <a:t>18/05/2015</a:t>
+              <a:pPr/>
+              <a:t>20/05/2015</a:t>
             </a:fld>
             <a:endParaRPr lang="es-ES"/>
           </a:p>
@@ -1889,6 +1904,7 @@
           <a:p>
             <a:fld id="{E0AE9534-16A8-4212-B44F-90C1555197EC}" type="slidenum">
               <a:rPr lang="es-ES" smtClean="0"/>
+              <a:pPr/>
               <a:t>‹Nº›</a:t>
             </a:fld>
             <a:endParaRPr lang="es-ES"/>
@@ -1937,7 +1953,8 @@
           <a:p>
             <a:fld id="{280F1E82-D1C5-4616-B902-D8CD03BF7D5D}" type="datetimeFigureOut">
               <a:rPr lang="es-ES" smtClean="0"/>
-              <a:t>18/05/2015</a:t>
+              <a:pPr/>
+              <a:t>20/05/2015</a:t>
             </a:fld>
             <a:endParaRPr lang="es-ES"/>
           </a:p>
@@ -1979,6 +1996,7 @@
           <a:p>
             <a:fld id="{E0AE9534-16A8-4212-B44F-90C1555197EC}" type="slidenum">
               <a:rPr lang="es-ES" smtClean="0"/>
+              <a:pPr/>
               <a:t>‹Nº›</a:t>
             </a:fld>
             <a:endParaRPr lang="es-ES"/>
@@ -2209,7 +2227,8 @@
           <a:p>
             <a:fld id="{280F1E82-D1C5-4616-B902-D8CD03BF7D5D}" type="datetimeFigureOut">
               <a:rPr lang="es-ES" smtClean="0"/>
-              <a:t>18/05/2015</a:t>
+              <a:pPr/>
+              <a:t>20/05/2015</a:t>
             </a:fld>
             <a:endParaRPr lang="es-ES"/>
           </a:p>
@@ -2251,6 +2270,7 @@
           <a:p>
             <a:fld id="{E0AE9534-16A8-4212-B44F-90C1555197EC}" type="slidenum">
               <a:rPr lang="es-ES" smtClean="0"/>
+              <a:pPr/>
               <a:t>‹Nº›</a:t>
             </a:fld>
             <a:endParaRPr lang="es-ES"/>
@@ -2457,7 +2477,8 @@
           <a:p>
             <a:fld id="{280F1E82-D1C5-4616-B902-D8CD03BF7D5D}" type="datetimeFigureOut">
               <a:rPr lang="es-ES" smtClean="0"/>
-              <a:t>18/05/2015</a:t>
+              <a:pPr/>
+              <a:t>20/05/2015</a:t>
             </a:fld>
             <a:endParaRPr lang="es-ES"/>
           </a:p>
@@ -2499,6 +2520,7 @@
           <a:p>
             <a:fld id="{E0AE9534-16A8-4212-B44F-90C1555197EC}" type="slidenum">
               <a:rPr lang="es-ES" smtClean="0"/>
+              <a:pPr/>
               <a:t>‹Nº›</a:t>
             </a:fld>
             <a:endParaRPr lang="es-ES"/>
@@ -2665,7 +2687,8 @@
           <a:p>
             <a:fld id="{280F1E82-D1C5-4616-B902-D8CD03BF7D5D}" type="datetimeFigureOut">
               <a:rPr lang="es-ES" smtClean="0"/>
-              <a:t>18/05/2015</a:t>
+              <a:pPr/>
+              <a:t>20/05/2015</a:t>
             </a:fld>
             <a:endParaRPr lang="es-ES"/>
           </a:p>
@@ -2743,6 +2766,7 @@
           <a:p>
             <a:fld id="{E0AE9534-16A8-4212-B44F-90C1555197EC}" type="slidenum">
               <a:rPr lang="es-ES" smtClean="0"/>
+              <a:pPr/>
               <a:t>‹Nº›</a:t>
             </a:fld>
             <a:endParaRPr lang="es-ES"/>
@@ -3044,7 +3068,7 @@
         <p:spPr>
           <a:xfrm>
             <a:off x="467544" y="548680"/>
-            <a:ext cx="8136904" cy="648072"/>
+            <a:ext cx="8208912" cy="648072"/>
           </a:xfrm>
           <a:prstGeom prst="flowChartProcess">
             <a:avLst/>
@@ -3081,13 +3105,13 @@
       </p:sp>
       <p:sp>
         <p:nvSpPr>
-          <p:cNvPr id="6" name="5 Proceso"/>
+          <p:cNvPr id="11" name="10 Proceso"/>
           <p:cNvSpPr/>
           <p:nvPr/>
         </p:nvSpPr>
         <p:spPr>
           <a:xfrm>
-            <a:off x="7320179" y="4581128"/>
+            <a:off x="2627784" y="1988840"/>
             <a:ext cx="1152128" cy="648072"/>
           </a:xfrm>
           <a:prstGeom prst="flowChartProcess">
@@ -3116,26 +3140,21 @@
           <a:p>
             <a:pPr algn="ctr"/>
             <a:r>
-              <a:rPr lang="en-US" sz="1400" smtClean="0"/>
-              <a:t>Can </a:t>
-            </a:r>
-            <a:r>
-              <a:rPr lang="en-US" sz="1400" smtClean="0"/>
-              <a:t>Tx</a:t>
-            </a:r>
-            <a:endParaRPr lang="en-US" sz="1400"/>
-          </a:p>
-        </p:txBody>
-      </p:sp>
-      <p:sp>
-        <p:nvSpPr>
-          <p:cNvPr id="7" name="6 Proceso"/>
+              <a:rPr lang="en-US" sz="1400" dirty="0" smtClean="0"/>
+              <a:t>Get Gap Data</a:t>
+            </a:r>
+          </a:p>
+        </p:txBody>
+      </p:sp>
+      <p:sp>
+        <p:nvSpPr>
+          <p:cNvPr id="12" name="11 Proceso"/>
           <p:cNvSpPr/>
           <p:nvPr/>
         </p:nvSpPr>
         <p:spPr>
           <a:xfrm>
-            <a:off x="4583875" y="4581128"/>
+            <a:off x="467544" y="2132856"/>
             <a:ext cx="1152128" cy="648072"/>
           </a:xfrm>
           <a:prstGeom prst="flowChartProcess">
@@ -3164,27 +3183,67 @@
           <a:p>
             <a:pPr algn="ctr"/>
             <a:r>
-              <a:rPr lang="en-US" sz="1400" smtClean="0"/>
-              <a:t>Can </a:t>
-            </a:r>
-            <a:r>
-              <a:rPr lang="en-US" sz="1400" smtClean="0"/>
-              <a:t>Rx</a:t>
-            </a:r>
-            <a:endParaRPr lang="en-US" sz="1400"/>
-          </a:p>
-        </p:txBody>
-      </p:sp>
-      <p:sp>
-        <p:nvSpPr>
-          <p:cNvPr id="8" name="7 Proceso"/>
+              <a:rPr lang="en-US" sz="1400" dirty="0" smtClean="0"/>
+              <a:t>Camera Shot</a:t>
+            </a:r>
+          </a:p>
+        </p:txBody>
+      </p:sp>
+      <p:sp>
+        <p:nvSpPr>
+          <p:cNvPr id="235" name="234 Rectángulo"/>
           <p:cNvSpPr/>
           <p:nvPr/>
         </p:nvSpPr>
         <p:spPr>
           <a:xfrm>
-            <a:off x="7452320" y="1412776"/>
-            <a:ext cx="1152128" cy="648072"/>
+            <a:off x="522454" y="5205450"/>
+            <a:ext cx="2088232" cy="1440160"/>
+          </a:xfrm>
+          <a:prstGeom prst="rect">
+            <a:avLst/>
+          </a:prstGeom>
+          <a:ln>
+            <a:solidFill>
+              <a:schemeClr val="bg1">
+                <a:lumMod val="50000"/>
+              </a:schemeClr>
+            </a:solidFill>
+          </a:ln>
+        </p:spPr>
+        <p:style>
+          <a:lnRef idx="2">
+            <a:schemeClr val="dk1"/>
+          </a:lnRef>
+          <a:fillRef idx="1">
+            <a:schemeClr val="lt1"/>
+          </a:fillRef>
+          <a:effectRef idx="0">
+            <a:schemeClr val="dk1"/>
+          </a:effectRef>
+          <a:fontRef idx="minor">
+            <a:schemeClr val="dk1"/>
+          </a:fontRef>
+        </p:style>
+        <p:txBody>
+          <a:bodyPr rtlCol="0" anchor="ctr"/>
+          <a:lstStyle/>
+          <a:p>
+            <a:pPr algn="ctr"/>
+            <a:endParaRPr lang="es-ES"/>
+          </a:p>
+        </p:txBody>
+      </p:sp>
+      <p:sp>
+        <p:nvSpPr>
+          <p:cNvPr id="230" name="229 Proceso"/>
+          <p:cNvSpPr/>
+          <p:nvPr/>
+        </p:nvSpPr>
+        <p:spPr>
+          <a:xfrm>
+            <a:off x="666471" y="5325716"/>
+            <a:ext cx="432048" cy="216024"/>
           </a:xfrm>
           <a:prstGeom prst="flowChartProcess">
             <a:avLst/>
@@ -3211,785 +3270,166 @@
           <a:lstStyle/>
           <a:p>
             <a:pPr algn="ctr"/>
-            <a:r>
-              <a:rPr lang="en-US" sz="1400" dirty="0" smtClean="0"/>
-              <a:t>SENDA</a:t>
-            </a:r>
-          </a:p>
-        </p:txBody>
-      </p:sp>
-      <p:sp>
-        <p:nvSpPr>
-          <p:cNvPr id="9" name="8 Proceso"/>
-          <p:cNvSpPr/>
+            <a:endParaRPr lang="en-US" sz="1400"/>
+          </a:p>
+        </p:txBody>
+      </p:sp>
+      <p:sp>
+        <p:nvSpPr>
+          <p:cNvPr id="232" name="231 CuadroTexto"/>
+          <p:cNvSpPr txBox="1"/>
           <p:nvPr/>
         </p:nvSpPr>
         <p:spPr>
           <a:xfrm>
-            <a:off x="480177" y="1412776"/>
-            <a:ext cx="1152128" cy="648072"/>
-          </a:xfrm>
-          <a:prstGeom prst="flowChartProcess">
+            <a:off x="1170526" y="5277458"/>
+            <a:ext cx="698461" cy="307777"/>
+          </a:xfrm>
+          <a:prstGeom prst="rect">
             <a:avLst/>
           </a:prstGeom>
+          <a:noFill/>
         </p:spPr>
-        <p:style>
-          <a:lnRef idx="2">
-            <a:schemeClr val="accent1">
-              <a:shade val="50000"/>
-            </a:schemeClr>
-          </a:lnRef>
-          <a:fillRef idx="1">
-            <a:schemeClr val="accent1"/>
-          </a:fillRef>
-          <a:effectRef idx="0">
-            <a:schemeClr val="accent1"/>
-          </a:effectRef>
-          <a:fontRef idx="minor">
-            <a:schemeClr val="lt1"/>
-          </a:fontRef>
-        </p:style>
-        <p:txBody>
-          <a:bodyPr rtlCol="0" anchor="ctr"/>
-          <a:lstStyle/>
-          <a:p>
-            <a:pPr algn="ctr"/>
-            <a:r>
-              <a:rPr lang="en-US" sz="1400" dirty="0" smtClean="0"/>
-              <a:t>Activity</a:t>
-            </a:r>
-          </a:p>
-        </p:txBody>
-      </p:sp>
-      <p:sp>
-        <p:nvSpPr>
-          <p:cNvPr id="10" name="9 Proceso"/>
-          <p:cNvSpPr/>
+        <p:txBody>
+          <a:bodyPr wrap="none" rtlCol="0">
+            <a:spAutoFit/>
+          </a:bodyPr>
+          <a:lstStyle/>
+          <a:p>
+            <a:r>
+              <a:rPr lang="en-US" sz="1400" dirty="0" smtClean="0">
+                <a:solidFill>
+                  <a:schemeClr val="tx1">
+                    <a:lumMod val="75000"/>
+                    <a:lumOff val="25000"/>
+                  </a:schemeClr>
+                </a:solidFill>
+              </a:rPr>
+              <a:t>Thread</a:t>
+            </a:r>
+            <a:endParaRPr lang="en-US" sz="1400" dirty="0">
+              <a:solidFill>
+                <a:schemeClr val="tx1">
+                  <a:lumMod val="75000"/>
+                  <a:lumOff val="25000"/>
+                </a:schemeClr>
+              </a:solidFill>
+            </a:endParaRPr>
+          </a:p>
+        </p:txBody>
+      </p:sp>
+      <p:sp>
+        <p:nvSpPr>
+          <p:cNvPr id="233" name="232 CuadroTexto"/>
+          <p:cNvSpPr txBox="1"/>
           <p:nvPr/>
         </p:nvSpPr>
         <p:spPr>
           <a:xfrm>
-            <a:off x="4716016" y="1412776"/>
-            <a:ext cx="1152128" cy="648072"/>
-          </a:xfrm>
-          <a:prstGeom prst="flowChartProcess">
+            <a:off x="1170526" y="5613495"/>
+            <a:ext cx="772647" cy="307777"/>
+          </a:xfrm>
+          <a:prstGeom prst="rect">
             <a:avLst/>
           </a:prstGeom>
+          <a:noFill/>
         </p:spPr>
-        <p:style>
-          <a:lnRef idx="2">
-            <a:schemeClr val="accent1">
-              <a:shade val="50000"/>
-            </a:schemeClr>
-          </a:lnRef>
-          <a:fillRef idx="1">
-            <a:schemeClr val="accent1"/>
-          </a:fillRef>
-          <a:effectRef idx="0">
-            <a:schemeClr val="accent1"/>
-          </a:effectRef>
-          <a:fontRef idx="minor">
-            <a:schemeClr val="lt1"/>
-          </a:fontRef>
-        </p:style>
-        <p:txBody>
-          <a:bodyPr rtlCol="0" anchor="ctr"/>
-          <a:lstStyle/>
-          <a:p>
-            <a:pPr algn="ctr"/>
-            <a:r>
-              <a:rPr lang="en-US" sz="1400" dirty="0" smtClean="0"/>
-              <a:t>Process</a:t>
-            </a:r>
-          </a:p>
-          <a:p>
-            <a:pPr algn="ctr"/>
-            <a:r>
-              <a:rPr lang="en-US" sz="1400" dirty="0" smtClean="0"/>
-              <a:t>Message</a:t>
-            </a:r>
-          </a:p>
-        </p:txBody>
-      </p:sp>
-      <p:sp>
-        <p:nvSpPr>
-          <p:cNvPr id="11" name="10 Proceso"/>
-          <p:cNvSpPr/>
+        <p:txBody>
+          <a:bodyPr wrap="none" rtlCol="0">
+            <a:spAutoFit/>
+          </a:bodyPr>
+          <a:lstStyle/>
+          <a:p>
+            <a:r>
+              <a:rPr lang="en-US" sz="1400" dirty="0" smtClean="0">
+                <a:solidFill>
+                  <a:schemeClr val="tx1">
+                    <a:lumMod val="75000"/>
+                    <a:lumOff val="25000"/>
+                  </a:schemeClr>
+                </a:solidFill>
+              </a:rPr>
+              <a:t>Mailbox</a:t>
+            </a:r>
+            <a:endParaRPr lang="en-US" sz="1400" dirty="0">
+              <a:solidFill>
+                <a:schemeClr val="tx1">
+                  <a:lumMod val="75000"/>
+                  <a:lumOff val="25000"/>
+                </a:schemeClr>
+              </a:solidFill>
+            </a:endParaRPr>
+          </a:p>
+        </p:txBody>
+      </p:sp>
+      <p:sp>
+        <p:nvSpPr>
+          <p:cNvPr id="234" name="233 CuadroTexto"/>
+          <p:cNvSpPr txBox="1"/>
           <p:nvPr/>
         </p:nvSpPr>
         <p:spPr>
           <a:xfrm>
-            <a:off x="2699792" y="1412776"/>
-            <a:ext cx="1152128" cy="648072"/>
-          </a:xfrm>
-          <a:prstGeom prst="flowChartProcess">
+            <a:off x="1170526" y="5949532"/>
+            <a:ext cx="1383071" cy="307777"/>
+          </a:xfrm>
+          <a:prstGeom prst="rect">
             <a:avLst/>
           </a:prstGeom>
+          <a:noFill/>
         </p:spPr>
-        <p:style>
-          <a:lnRef idx="2">
-            <a:schemeClr val="accent1">
-              <a:shade val="50000"/>
-            </a:schemeClr>
-          </a:lnRef>
-          <a:fillRef idx="1">
-            <a:schemeClr val="accent1"/>
-          </a:fillRef>
-          <a:effectRef idx="0">
-            <a:schemeClr val="accent1"/>
-          </a:effectRef>
-          <a:fontRef idx="minor">
-            <a:schemeClr val="lt1"/>
-          </a:fontRef>
-        </p:style>
-        <p:txBody>
-          <a:bodyPr rtlCol="0" anchor="ctr"/>
-          <a:lstStyle/>
-          <a:p>
-            <a:pPr algn="ctr"/>
-            <a:r>
-              <a:rPr lang="en-US" sz="1400" dirty="0" smtClean="0"/>
-              <a:t>Get Gap Data</a:t>
-            </a:r>
-          </a:p>
-        </p:txBody>
-      </p:sp>
-      <p:sp>
-        <p:nvSpPr>
-          <p:cNvPr id="12" name="11 Proceso"/>
-          <p:cNvSpPr/>
-          <p:nvPr/>
-        </p:nvSpPr>
-        <p:spPr>
-          <a:xfrm>
-            <a:off x="2627784" y="4581128"/>
-            <a:ext cx="1152128" cy="648072"/>
-          </a:xfrm>
-          <a:prstGeom prst="flowChartProcess">
-            <a:avLst/>
-          </a:prstGeom>
-        </p:spPr>
-        <p:style>
-          <a:lnRef idx="2">
-            <a:schemeClr val="accent1">
-              <a:shade val="50000"/>
-            </a:schemeClr>
-          </a:lnRef>
-          <a:fillRef idx="1">
-            <a:schemeClr val="accent1"/>
-          </a:fillRef>
-          <a:effectRef idx="0">
-            <a:schemeClr val="accent1"/>
-          </a:effectRef>
-          <a:fontRef idx="minor">
-            <a:schemeClr val="lt1"/>
-          </a:fontRef>
-        </p:style>
-        <p:txBody>
-          <a:bodyPr rtlCol="0" anchor="ctr"/>
-          <a:lstStyle/>
-          <a:p>
-            <a:pPr algn="ctr"/>
-            <a:r>
-              <a:rPr lang="en-US" sz="1400" dirty="0" smtClean="0"/>
-              <a:t>Camera Shot</a:t>
-            </a:r>
-          </a:p>
-        </p:txBody>
-      </p:sp>
-      <p:sp>
-        <p:nvSpPr>
-          <p:cNvPr id="53" name="52 Multidocumento"/>
-          <p:cNvSpPr/>
-          <p:nvPr/>
-        </p:nvSpPr>
-        <p:spPr>
-          <a:xfrm>
-            <a:off x="7524328" y="2996952"/>
-            <a:ext cx="864095" cy="576064"/>
-          </a:xfrm>
-          <a:prstGeom prst="flowChartMultidocument">
-            <a:avLst/>
-          </a:prstGeom>
-        </p:spPr>
-        <p:style>
-          <a:lnRef idx="2">
-            <a:schemeClr val="accent1"/>
-          </a:lnRef>
-          <a:fillRef idx="1">
-            <a:schemeClr val="lt1"/>
-          </a:fillRef>
-          <a:effectRef idx="0">
-            <a:schemeClr val="accent1"/>
-          </a:effectRef>
-          <a:fontRef idx="minor">
-            <a:schemeClr val="dk1"/>
-          </a:fontRef>
-        </p:style>
-        <p:txBody>
-          <a:bodyPr rtlCol="0" anchor="ctr"/>
-          <a:lstStyle/>
-          <a:p>
-            <a:pPr algn="ctr"/>
-            <a:endParaRPr lang="en-US" sz="1400"/>
-          </a:p>
-        </p:txBody>
-      </p:sp>
-      <p:sp>
-        <p:nvSpPr>
-          <p:cNvPr id="54" name="53 Multidocumento"/>
-          <p:cNvSpPr/>
-          <p:nvPr/>
-        </p:nvSpPr>
-        <p:spPr>
-          <a:xfrm>
-            <a:off x="4788024" y="2996952"/>
-            <a:ext cx="864095" cy="576064"/>
-          </a:xfrm>
-          <a:prstGeom prst="flowChartMultidocument">
-            <a:avLst/>
-          </a:prstGeom>
-        </p:spPr>
-        <p:style>
-          <a:lnRef idx="2">
-            <a:schemeClr val="accent1"/>
-          </a:lnRef>
-          <a:fillRef idx="1">
-            <a:schemeClr val="lt1"/>
-          </a:fillRef>
-          <a:effectRef idx="0">
-            <a:schemeClr val="accent1"/>
-          </a:effectRef>
-          <a:fontRef idx="minor">
-            <a:schemeClr val="dk1"/>
-          </a:fontRef>
-        </p:style>
-        <p:txBody>
-          <a:bodyPr rtlCol="0" anchor="ctr"/>
-          <a:lstStyle/>
-          <a:p>
-            <a:pPr algn="ctr"/>
-            <a:endParaRPr lang="en-US" sz="1400"/>
-          </a:p>
-        </p:txBody>
-      </p:sp>
-      <p:sp>
-        <p:nvSpPr>
-          <p:cNvPr id="55" name="54 Multidocumento"/>
-          <p:cNvSpPr/>
-          <p:nvPr/>
-        </p:nvSpPr>
-        <p:spPr>
-          <a:xfrm>
-            <a:off x="552185" y="2636912"/>
-            <a:ext cx="864095" cy="576064"/>
-          </a:xfrm>
-          <a:prstGeom prst="flowChartMultidocument">
-            <a:avLst/>
-          </a:prstGeom>
-        </p:spPr>
-        <p:style>
-          <a:lnRef idx="2">
-            <a:schemeClr val="accent1"/>
-          </a:lnRef>
-          <a:fillRef idx="1">
-            <a:schemeClr val="lt1"/>
-          </a:fillRef>
-          <a:effectRef idx="0">
-            <a:schemeClr val="accent1"/>
-          </a:effectRef>
-          <a:fontRef idx="minor">
-            <a:schemeClr val="dk1"/>
-          </a:fontRef>
-        </p:style>
-        <p:txBody>
-          <a:bodyPr rtlCol="0" anchor="ctr"/>
-          <a:lstStyle/>
-          <a:p>
-            <a:pPr algn="ctr"/>
-            <a:endParaRPr lang="en-US" sz="1400"/>
-          </a:p>
-        </p:txBody>
-      </p:sp>
-      <p:cxnSp>
-        <p:nvCxnSpPr>
-          <p:cNvPr id="57" name="56 Conector recto de flecha"/>
-          <p:cNvCxnSpPr>
-            <a:stCxn id="9" idx="2"/>
-            <a:endCxn id="55" idx="0"/>
-          </p:cNvCxnSpPr>
-          <p:nvPr/>
-        </p:nvCxnSpPr>
-        <p:spPr>
-          <a:xfrm flipH="1">
-            <a:off x="1043679" y="2060848"/>
-            <a:ext cx="12562" cy="576064"/>
-          </a:xfrm>
-          <a:prstGeom prst="straightConnector1">
-            <a:avLst/>
-          </a:prstGeom>
-          <a:ln w="38100">
-            <a:solidFill>
-              <a:schemeClr val="tx1">
-                <a:lumMod val="50000"/>
-                <a:lumOff val="50000"/>
-              </a:schemeClr>
-            </a:solidFill>
-            <a:tailEnd type="arrow"/>
-          </a:ln>
-        </p:spPr>
-        <p:style>
-          <a:lnRef idx="1">
-            <a:schemeClr val="accent1"/>
-          </a:lnRef>
-          <a:fillRef idx="0">
-            <a:schemeClr val="accent1"/>
-          </a:fillRef>
-          <a:effectRef idx="0">
-            <a:schemeClr val="accent1"/>
-          </a:effectRef>
-          <a:fontRef idx="minor">
-            <a:schemeClr val="tx1"/>
-          </a:fontRef>
-        </p:style>
-      </p:cxnSp>
-      <p:cxnSp>
-        <p:nvCxnSpPr>
-          <p:cNvPr id="61" name="60 Conector recto de flecha"/>
-          <p:cNvCxnSpPr>
-            <a:stCxn id="53" idx="2"/>
-            <a:endCxn id="6" idx="0"/>
-          </p:cNvCxnSpPr>
-          <p:nvPr/>
-        </p:nvCxnSpPr>
-        <p:spPr>
-          <a:xfrm rot="5400000">
-            <a:off x="7381302" y="4066141"/>
-            <a:ext cx="1029928" cy="46"/>
-          </a:xfrm>
-          <a:prstGeom prst="bentConnector3">
-            <a:avLst>
-              <a:gd name="adj1" fmla="val 50000"/>
-            </a:avLst>
-          </a:prstGeom>
-          <a:ln w="38100">
-            <a:solidFill>
-              <a:schemeClr val="tx1">
-                <a:lumMod val="50000"/>
-                <a:lumOff val="50000"/>
-              </a:schemeClr>
-            </a:solidFill>
-            <a:tailEnd type="arrow"/>
-          </a:ln>
-        </p:spPr>
-        <p:style>
-          <a:lnRef idx="1">
-            <a:schemeClr val="accent1"/>
-          </a:lnRef>
-          <a:fillRef idx="0">
-            <a:schemeClr val="accent1"/>
-          </a:fillRef>
-          <a:effectRef idx="0">
-            <a:schemeClr val="accent1"/>
-          </a:effectRef>
-          <a:fontRef idx="minor">
-            <a:schemeClr val="tx1"/>
-          </a:fontRef>
-        </p:style>
-      </p:cxnSp>
-      <p:cxnSp>
-        <p:nvCxnSpPr>
-          <p:cNvPr id="62" name="61 Conector recto de flecha"/>
-          <p:cNvCxnSpPr>
-            <a:stCxn id="7" idx="0"/>
-            <a:endCxn id="54" idx="2"/>
-          </p:cNvCxnSpPr>
-          <p:nvPr/>
-        </p:nvCxnSpPr>
-        <p:spPr>
-          <a:xfrm flipV="1">
-            <a:off x="5159939" y="3551200"/>
-            <a:ext cx="46" cy="1029928"/>
-          </a:xfrm>
-          <a:prstGeom prst="straightConnector1">
-            <a:avLst/>
-          </a:prstGeom>
-          <a:ln w="38100">
-            <a:solidFill>
-              <a:schemeClr val="tx1">
-                <a:lumMod val="50000"/>
-                <a:lumOff val="50000"/>
-              </a:schemeClr>
-            </a:solidFill>
-            <a:tailEnd type="arrow"/>
-          </a:ln>
-        </p:spPr>
-        <p:style>
-          <a:lnRef idx="1">
-            <a:schemeClr val="accent1"/>
-          </a:lnRef>
-          <a:fillRef idx="0">
-            <a:schemeClr val="accent1"/>
-          </a:fillRef>
-          <a:effectRef idx="0">
-            <a:schemeClr val="accent1"/>
-          </a:effectRef>
-          <a:fontRef idx="minor">
-            <a:schemeClr val="tx1"/>
-          </a:fontRef>
-        </p:style>
-      </p:cxnSp>
-      <p:cxnSp>
-        <p:nvCxnSpPr>
-          <p:cNvPr id="65" name="64 Conector recto de flecha"/>
-          <p:cNvCxnSpPr>
-            <a:stCxn id="8" idx="2"/>
-            <a:endCxn id="53" idx="0"/>
-          </p:cNvCxnSpPr>
-          <p:nvPr/>
-        </p:nvCxnSpPr>
-        <p:spPr>
-          <a:xfrm flipH="1">
-            <a:off x="8015822" y="2060848"/>
-            <a:ext cx="12562" cy="936104"/>
-          </a:xfrm>
-          <a:prstGeom prst="straightConnector1">
-            <a:avLst/>
-          </a:prstGeom>
-          <a:ln w="38100">
-            <a:solidFill>
-              <a:schemeClr val="tx1">
-                <a:lumMod val="50000"/>
-                <a:lumOff val="50000"/>
-              </a:schemeClr>
-            </a:solidFill>
-            <a:tailEnd type="arrow"/>
-          </a:ln>
-        </p:spPr>
-        <p:style>
-          <a:lnRef idx="1">
-            <a:schemeClr val="accent1"/>
-          </a:lnRef>
-          <a:fillRef idx="0">
-            <a:schemeClr val="accent1"/>
-          </a:fillRef>
-          <a:effectRef idx="0">
-            <a:schemeClr val="accent1"/>
-          </a:effectRef>
-          <a:fontRef idx="minor">
-            <a:schemeClr val="tx1"/>
-          </a:fontRef>
-        </p:style>
-      </p:cxnSp>
-      <p:cxnSp>
-        <p:nvCxnSpPr>
-          <p:cNvPr id="66" name="65 Conector recto de flecha"/>
-          <p:cNvCxnSpPr>
-            <a:stCxn id="54" idx="0"/>
-            <a:endCxn id="10" idx="2"/>
-          </p:cNvCxnSpPr>
-          <p:nvPr/>
-        </p:nvCxnSpPr>
-        <p:spPr>
-          <a:xfrm flipV="1">
-            <a:off x="5279518" y="2060848"/>
-            <a:ext cx="0" cy="936104"/>
-          </a:xfrm>
-          <a:prstGeom prst="straightConnector1">
-            <a:avLst/>
-          </a:prstGeom>
-          <a:ln w="38100">
-            <a:solidFill>
-              <a:schemeClr val="tx1">
-                <a:lumMod val="50000"/>
-                <a:lumOff val="50000"/>
-              </a:schemeClr>
-            </a:solidFill>
-            <a:tailEnd type="arrow"/>
-          </a:ln>
-        </p:spPr>
-        <p:style>
-          <a:lnRef idx="1">
-            <a:schemeClr val="accent1"/>
-          </a:lnRef>
-          <a:fillRef idx="0">
-            <a:schemeClr val="accent1"/>
-          </a:fillRef>
-          <a:effectRef idx="0">
-            <a:schemeClr val="accent1"/>
-          </a:effectRef>
-          <a:fontRef idx="minor">
-            <a:schemeClr val="tx1"/>
-          </a:fontRef>
-        </p:style>
-      </p:cxnSp>
-      <p:cxnSp>
-        <p:nvCxnSpPr>
-          <p:cNvPr id="159" name="158 Conector angular"/>
-          <p:cNvCxnSpPr>
-            <a:stCxn id="10" idx="3"/>
-            <a:endCxn id="212" idx="1"/>
-          </p:cNvCxnSpPr>
-          <p:nvPr/>
-        </p:nvCxnSpPr>
-        <p:spPr>
-          <a:xfrm>
-            <a:off x="5868144" y="1736812"/>
-            <a:ext cx="360041" cy="0"/>
-          </a:xfrm>
-          <a:prstGeom prst="straightConnector1">
-            <a:avLst/>
-          </a:prstGeom>
-          <a:ln w="38100">
-            <a:solidFill>
-              <a:schemeClr val="tx1">
-                <a:lumMod val="50000"/>
-                <a:lumOff val="50000"/>
-              </a:schemeClr>
-            </a:solidFill>
-            <a:tailEnd type="arrow"/>
-          </a:ln>
-        </p:spPr>
-        <p:style>
-          <a:lnRef idx="1">
-            <a:schemeClr val="accent1"/>
-          </a:lnRef>
-          <a:fillRef idx="0">
-            <a:schemeClr val="accent1"/>
-          </a:fillRef>
-          <a:effectRef idx="0">
-            <a:schemeClr val="accent1"/>
-          </a:effectRef>
-          <a:fontRef idx="minor">
-            <a:schemeClr val="tx1"/>
-          </a:fontRef>
-        </p:style>
-      </p:cxnSp>
-      <p:sp>
-        <p:nvSpPr>
-          <p:cNvPr id="212" name="211 Multidocumento"/>
-          <p:cNvSpPr/>
-          <p:nvPr/>
-        </p:nvSpPr>
-        <p:spPr>
-          <a:xfrm>
-            <a:off x="6228185" y="1448780"/>
-            <a:ext cx="864095" cy="576064"/>
-          </a:xfrm>
-          <a:prstGeom prst="flowChartMultidocument">
-            <a:avLst/>
-          </a:prstGeom>
-        </p:spPr>
-        <p:style>
-          <a:lnRef idx="2">
-            <a:schemeClr val="accent1"/>
-          </a:lnRef>
-          <a:fillRef idx="1">
-            <a:schemeClr val="lt1"/>
-          </a:fillRef>
-          <a:effectRef idx="0">
-            <a:schemeClr val="accent1"/>
-          </a:effectRef>
-          <a:fontRef idx="minor">
-            <a:schemeClr val="dk1"/>
-          </a:fontRef>
-        </p:style>
-        <p:txBody>
-          <a:bodyPr rtlCol="0" anchor="ctr"/>
-          <a:lstStyle/>
-          <a:p>
-            <a:pPr algn="ctr"/>
-            <a:endParaRPr lang="en-US" sz="1400"/>
-          </a:p>
-        </p:txBody>
-      </p:sp>
-      <p:cxnSp>
-        <p:nvCxnSpPr>
-          <p:cNvPr id="217" name="158 Conector angular"/>
-          <p:cNvCxnSpPr>
-            <a:stCxn id="212" idx="3"/>
-            <a:endCxn id="8" idx="1"/>
-          </p:cNvCxnSpPr>
-          <p:nvPr/>
-        </p:nvCxnSpPr>
-        <p:spPr>
-          <a:xfrm>
-            <a:off x="7092280" y="1736812"/>
-            <a:ext cx="360040" cy="0"/>
-          </a:xfrm>
-          <a:prstGeom prst="straightConnector1">
-            <a:avLst/>
-          </a:prstGeom>
-          <a:ln w="38100">
-            <a:solidFill>
-              <a:schemeClr val="tx1">
-                <a:lumMod val="50000"/>
-                <a:lumOff val="50000"/>
-              </a:schemeClr>
-            </a:solidFill>
-            <a:tailEnd type="arrow"/>
-          </a:ln>
-        </p:spPr>
-        <p:style>
-          <a:lnRef idx="1">
-            <a:schemeClr val="accent1"/>
-          </a:lnRef>
-          <a:fillRef idx="0">
-            <a:schemeClr val="accent1"/>
-          </a:fillRef>
-          <a:effectRef idx="0">
-            <a:schemeClr val="accent1"/>
-          </a:effectRef>
-          <a:fontRef idx="minor">
-            <a:schemeClr val="tx1"/>
-          </a:fontRef>
-        </p:style>
-      </p:cxnSp>
-      <p:sp>
-        <p:nvSpPr>
-          <p:cNvPr id="228" name="227 Documento"/>
-          <p:cNvSpPr/>
-          <p:nvPr/>
-        </p:nvSpPr>
-        <p:spPr>
-          <a:xfrm>
-            <a:off x="2699792" y="2852936"/>
-            <a:ext cx="1080120" cy="720080"/>
-          </a:xfrm>
-          <a:prstGeom prst="flowChartDocument">
-            <a:avLst/>
-          </a:prstGeom>
-        </p:spPr>
-        <p:style>
-          <a:lnRef idx="2">
-            <a:schemeClr val="accent3"/>
-          </a:lnRef>
-          <a:fillRef idx="1">
-            <a:schemeClr val="lt1"/>
-          </a:fillRef>
-          <a:effectRef idx="0">
-            <a:schemeClr val="accent3"/>
-          </a:effectRef>
-          <a:fontRef idx="minor">
-            <a:schemeClr val="dk1"/>
-          </a:fontRef>
-        </p:style>
-        <p:txBody>
-          <a:bodyPr rtlCol="0" anchor="ctr"/>
-          <a:lstStyle/>
-          <a:p>
-            <a:pPr algn="ctr"/>
-            <a:endParaRPr lang="es-ES"/>
+        <p:txBody>
+          <a:bodyPr wrap="none" rtlCol="0">
+            <a:spAutoFit/>
+          </a:bodyPr>
+          <a:lstStyle/>
+          <a:p>
+            <a:r>
+              <a:rPr lang="en-US" sz="1400" dirty="0" smtClean="0">
+                <a:solidFill>
+                  <a:schemeClr val="tx1">
+                    <a:lumMod val="75000"/>
+                    <a:lumOff val="25000"/>
+                  </a:schemeClr>
+                </a:solidFill>
+              </a:rPr>
+              <a:t>Thread Message</a:t>
+            </a:r>
+            <a:endParaRPr lang="en-US" sz="1400" dirty="0">
+              <a:solidFill>
+                <a:schemeClr val="tx1">
+                  <a:lumMod val="75000"/>
+                  <a:lumOff val="25000"/>
+                </a:schemeClr>
+              </a:solidFill>
+            </a:endParaRPr>
           </a:p>
         </p:txBody>
       </p:sp>
       <p:grpSp>
         <p:nvGrpSpPr>
-          <p:cNvPr id="236" name="235 Grupo"/>
+          <p:cNvPr id="45" name="44 Grupo"/>
           <p:cNvGrpSpPr/>
           <p:nvPr/>
         </p:nvGrpSpPr>
         <p:grpSpPr>
           <a:xfrm>
-            <a:off x="467544" y="5373216"/>
-            <a:ext cx="1728192" cy="1296144"/>
-            <a:chOff x="6372200" y="5541534"/>
-            <a:chExt cx="1728192" cy="1296144"/>
+            <a:off x="6948264" y="1976965"/>
+            <a:ext cx="1164761" cy="1224136"/>
+            <a:chOff x="467544" y="1412776"/>
+            <a:chExt cx="1164761" cy="1224136"/>
           </a:xfrm>
         </p:grpSpPr>
         <p:sp>
           <p:nvSpPr>
-            <p:cNvPr id="235" name="234 Rectángulo"/>
+            <p:cNvPr id="9" name="8 Proceso"/>
             <p:cNvSpPr/>
             <p:nvPr/>
           </p:nvSpPr>
           <p:spPr>
             <a:xfrm>
-              <a:off x="6372200" y="5541534"/>
-              <a:ext cx="1728192" cy="1296144"/>
-            </a:xfrm>
-            <a:prstGeom prst="rect">
-              <a:avLst/>
-            </a:prstGeom>
-            <a:ln>
-              <a:solidFill>
-                <a:schemeClr val="bg1">
-                  <a:lumMod val="50000"/>
-                </a:schemeClr>
-              </a:solidFill>
-            </a:ln>
-          </p:spPr>
-          <p:style>
-            <a:lnRef idx="2">
-              <a:schemeClr val="dk1"/>
-            </a:lnRef>
-            <a:fillRef idx="1">
-              <a:schemeClr val="lt1"/>
-            </a:fillRef>
-            <a:effectRef idx="0">
-              <a:schemeClr val="dk1"/>
-            </a:effectRef>
-            <a:fontRef idx="minor">
-              <a:schemeClr val="dk1"/>
-            </a:fontRef>
-          </p:style>
-          <p:txBody>
-            <a:bodyPr rtlCol="0" anchor="ctr"/>
-            <a:lstStyle/>
-            <a:p>
-              <a:pPr algn="ctr"/>
-              <a:endParaRPr lang="es-ES"/>
-            </a:p>
-          </p:txBody>
-        </p:sp>
-        <p:sp>
-          <p:nvSpPr>
-            <p:cNvPr id="229" name="228 Multidocumento"/>
-            <p:cNvSpPr/>
-            <p:nvPr/>
-          </p:nvSpPr>
-          <p:spPr>
-            <a:xfrm>
-              <a:off x="6516216" y="6021288"/>
-              <a:ext cx="432048" cy="360040"/>
-            </a:xfrm>
-            <a:prstGeom prst="flowChartMultidocument">
-              <a:avLst/>
-            </a:prstGeom>
-          </p:spPr>
-          <p:style>
-            <a:lnRef idx="2">
-              <a:schemeClr val="accent1"/>
-            </a:lnRef>
-            <a:fillRef idx="1">
-              <a:schemeClr val="lt1"/>
-            </a:fillRef>
-            <a:effectRef idx="0">
-              <a:schemeClr val="accent1"/>
-            </a:effectRef>
-            <a:fontRef idx="minor">
-              <a:schemeClr val="dk1"/>
-            </a:fontRef>
-          </p:style>
-          <p:txBody>
-            <a:bodyPr rtlCol="0" anchor="ctr"/>
-            <a:lstStyle/>
-            <a:p>
-              <a:pPr algn="ctr"/>
-              <a:endParaRPr lang="en-US" sz="1400"/>
-            </a:p>
-          </p:txBody>
-        </p:sp>
-        <p:sp>
-          <p:nvSpPr>
-            <p:cNvPr id="230" name="229 Proceso"/>
-            <p:cNvSpPr/>
-            <p:nvPr/>
-          </p:nvSpPr>
-          <p:spPr>
-            <a:xfrm>
-              <a:off x="6516216" y="5661248"/>
-              <a:ext cx="432048" cy="288032"/>
+              <a:off x="480177" y="1412776"/>
+              <a:ext cx="1152128" cy="648072"/>
             </a:xfrm>
             <a:prstGeom prst="flowChartProcess">
               <a:avLst/>
@@ -4016,37 +3456,117 @@
             <a:lstStyle/>
             <a:p>
               <a:pPr algn="ctr"/>
-              <a:endParaRPr lang="en-US" sz="1400"/>
+              <a:r>
+                <a:rPr lang="en-US" sz="1400" dirty="0" smtClean="0"/>
+                <a:t>Activity</a:t>
+              </a:r>
             </a:p>
           </p:txBody>
         </p:sp>
         <p:sp>
           <p:nvSpPr>
-            <p:cNvPr id="231" name="230 Documento"/>
+            <p:cNvPr id="33" name="32 Pentágono"/>
+            <p:cNvSpPr/>
+            <p:nvPr/>
+          </p:nvSpPr>
+          <p:spPr>
+            <a:xfrm rot="16200000">
+              <a:off x="791580" y="1808820"/>
+              <a:ext cx="504056" cy="1152128"/>
+            </a:xfrm>
+            <a:prstGeom prst="homePlate">
+              <a:avLst>
+                <a:gd name="adj" fmla="val 42147"/>
+              </a:avLst>
+            </a:prstGeom>
+            <a:solidFill>
+              <a:schemeClr val="accent1">
+                <a:lumMod val="40000"/>
+                <a:lumOff val="60000"/>
+              </a:schemeClr>
+            </a:solidFill>
+            <a:ln>
+              <a:solidFill>
+                <a:schemeClr val="accent1">
+                  <a:lumMod val="60000"/>
+                  <a:lumOff val="40000"/>
+                </a:schemeClr>
+              </a:solidFill>
+            </a:ln>
+          </p:spPr>
+          <p:style>
+            <a:lnRef idx="2">
+              <a:schemeClr val="accent1">
+                <a:shade val="50000"/>
+              </a:schemeClr>
+            </a:lnRef>
+            <a:fillRef idx="1">
+              <a:schemeClr val="accent1"/>
+            </a:fillRef>
+            <a:effectRef idx="0">
+              <a:schemeClr val="accent1"/>
+            </a:effectRef>
+            <a:fontRef idx="minor">
+              <a:schemeClr val="lt1"/>
+            </a:fontRef>
+          </p:style>
+          <p:txBody>
+            <a:bodyPr vert="vert" rtlCol="0" anchor="ctr"/>
+            <a:lstStyle/>
+            <a:p>
+              <a:pPr algn="ctr"/>
+              <a:r>
+                <a:rPr lang="es-ES" sz="1200" dirty="0" smtClean="0"/>
+                <a:t>MB_ACTIVITY</a:t>
+              </a:r>
+              <a:endParaRPr lang="es-ES" sz="1200" dirty="0"/>
+            </a:p>
+          </p:txBody>
+        </p:sp>
+      </p:grpSp>
+      <p:grpSp>
+        <p:nvGrpSpPr>
+          <p:cNvPr id="49" name="48 Grupo"/>
+          <p:cNvGrpSpPr/>
+          <p:nvPr/>
+        </p:nvGrpSpPr>
+        <p:grpSpPr>
+          <a:xfrm>
+            <a:off x="6948264" y="3501008"/>
+            <a:ext cx="1164003" cy="1224136"/>
+            <a:chOff x="4572000" y="4581128"/>
+            <a:chExt cx="1164003" cy="1224136"/>
+          </a:xfrm>
+        </p:grpSpPr>
+        <p:sp>
+          <p:nvSpPr>
+            <p:cNvPr id="7" name="6 Proceso"/>
             <p:cNvSpPr/>
             <p:nvPr/>
           </p:nvSpPr>
           <p:spPr>
             <a:xfrm>
-              <a:off x="6516216" y="6453336"/>
-              <a:ext cx="432048" cy="288032"/>
+              <a:off x="4583875" y="4581128"/>
+              <a:ext cx="1152128" cy="648072"/>
             </a:xfrm>
-            <a:prstGeom prst="flowChartDocument">
+            <a:prstGeom prst="flowChartProcess">
               <a:avLst/>
             </a:prstGeom>
           </p:spPr>
           <p:style>
             <a:lnRef idx="2">
-              <a:schemeClr val="accent3"/>
+              <a:schemeClr val="accent1">
+                <a:shade val="50000"/>
+              </a:schemeClr>
             </a:lnRef>
             <a:fillRef idx="1">
-              <a:schemeClr val="lt1"/>
+              <a:schemeClr val="accent1"/>
             </a:fillRef>
             <a:effectRef idx="0">
-              <a:schemeClr val="accent3"/>
+              <a:schemeClr val="accent1"/>
             </a:effectRef>
             <a:fontRef idx="minor">
-              <a:schemeClr val="dk1"/>
+              <a:schemeClr val="lt1"/>
             </a:fontRef>
           </p:style>
           <p:txBody>
@@ -4054,143 +3574,1420 @@
             <a:lstStyle/>
             <a:p>
               <a:pPr algn="ctr"/>
-              <a:endParaRPr lang="en-US"/>
+              <a:r>
+                <a:rPr lang="en-US" sz="1400" smtClean="0"/>
+                <a:t>Can Rx</a:t>
+              </a:r>
+              <a:endParaRPr lang="en-US" sz="1400"/>
             </a:p>
           </p:txBody>
         </p:sp>
         <p:sp>
           <p:nvSpPr>
-            <p:cNvPr id="232" name="231 CuadroTexto"/>
-            <p:cNvSpPr txBox="1"/>
+            <p:cNvPr id="35" name="34 Pentágono"/>
+            <p:cNvSpPr/>
+            <p:nvPr/>
+          </p:nvSpPr>
+          <p:spPr>
+            <a:xfrm rot="16200000">
+              <a:off x="4896036" y="4977172"/>
+              <a:ext cx="504056" cy="1152128"/>
+            </a:xfrm>
+            <a:prstGeom prst="homePlate">
+              <a:avLst>
+                <a:gd name="adj" fmla="val 42147"/>
+              </a:avLst>
+            </a:prstGeom>
+            <a:solidFill>
+              <a:schemeClr val="accent1">
+                <a:lumMod val="40000"/>
+                <a:lumOff val="60000"/>
+              </a:schemeClr>
+            </a:solidFill>
+            <a:ln>
+              <a:solidFill>
+                <a:schemeClr val="accent1">
+                  <a:lumMod val="60000"/>
+                  <a:lumOff val="40000"/>
+                </a:schemeClr>
+              </a:solidFill>
+            </a:ln>
+          </p:spPr>
+          <p:style>
+            <a:lnRef idx="2">
+              <a:schemeClr val="accent1">
+                <a:shade val="50000"/>
+              </a:schemeClr>
+            </a:lnRef>
+            <a:fillRef idx="1">
+              <a:schemeClr val="accent1"/>
+            </a:fillRef>
+            <a:effectRef idx="0">
+              <a:schemeClr val="accent1"/>
+            </a:effectRef>
+            <a:fontRef idx="minor">
+              <a:schemeClr val="lt1"/>
+            </a:fontRef>
+          </p:style>
+          <p:txBody>
+            <a:bodyPr vert="vert" rtlCol="0" anchor="ctr"/>
+            <a:lstStyle/>
+            <a:p>
+              <a:pPr algn="ctr"/>
+              <a:r>
+                <a:rPr lang="es-ES" sz="1200" dirty="0" smtClean="0"/>
+                <a:t>MB_CAN_ANY</a:t>
+              </a:r>
+              <a:endParaRPr lang="es-ES" sz="1200" dirty="0"/>
+            </a:p>
+          </p:txBody>
+        </p:sp>
+      </p:grpSp>
+      <p:grpSp>
+        <p:nvGrpSpPr>
+          <p:cNvPr id="48" name="47 Grupo"/>
+          <p:cNvGrpSpPr/>
+          <p:nvPr/>
+        </p:nvGrpSpPr>
+        <p:grpSpPr>
+          <a:xfrm>
+            <a:off x="6948264" y="5013176"/>
+            <a:ext cx="1164003" cy="1224136"/>
+            <a:chOff x="7308304" y="4581128"/>
+            <a:chExt cx="1164003" cy="1224136"/>
+          </a:xfrm>
+        </p:grpSpPr>
+        <p:sp>
+          <p:nvSpPr>
+            <p:cNvPr id="6" name="5 Proceso"/>
+            <p:cNvSpPr/>
             <p:nvPr/>
           </p:nvSpPr>
           <p:spPr>
             <a:xfrm>
-              <a:off x="7092280" y="5661248"/>
-              <a:ext cx="698461" cy="307777"/>
+              <a:off x="7320179" y="4581128"/>
+              <a:ext cx="1152128" cy="648072"/>
             </a:xfrm>
-            <a:prstGeom prst="rect">
+            <a:prstGeom prst="flowChartProcess">
               <a:avLst/>
             </a:prstGeom>
-            <a:noFill/>
           </p:spPr>
+          <p:style>
+            <a:lnRef idx="2">
+              <a:schemeClr val="accent1">
+                <a:shade val="50000"/>
+              </a:schemeClr>
+            </a:lnRef>
+            <a:fillRef idx="1">
+              <a:schemeClr val="accent1"/>
+            </a:fillRef>
+            <a:effectRef idx="0">
+              <a:schemeClr val="accent1"/>
+            </a:effectRef>
+            <a:fontRef idx="minor">
+              <a:schemeClr val="lt1"/>
+            </a:fontRef>
+          </p:style>
           <p:txBody>
-            <a:bodyPr wrap="none" rtlCol="0">
-              <a:spAutoFit/>
-            </a:bodyPr>
+            <a:bodyPr rtlCol="0" anchor="ctr"/>
             <a:lstStyle/>
             <a:p>
+              <a:pPr algn="ctr"/>
               <a:r>
-                <a:rPr lang="en-US" sz="1400" dirty="0" smtClean="0">
-                  <a:solidFill>
-                    <a:schemeClr val="tx1">
-                      <a:lumMod val="75000"/>
-                      <a:lumOff val="25000"/>
-                    </a:schemeClr>
-                  </a:solidFill>
-                </a:rPr>
-                <a:t>Thread</a:t>
+                <a:rPr lang="en-US" sz="1400" smtClean="0"/>
+                <a:t>Can Tx</a:t>
               </a:r>
-              <a:endParaRPr lang="en-US" sz="1400" dirty="0">
+              <a:endParaRPr lang="en-US" sz="1400"/>
+            </a:p>
+          </p:txBody>
+        </p:sp>
+        <p:sp>
+          <p:nvSpPr>
+            <p:cNvPr id="36" name="35 Pentágono"/>
+            <p:cNvSpPr/>
+            <p:nvPr/>
+          </p:nvSpPr>
+          <p:spPr>
+            <a:xfrm rot="16200000">
+              <a:off x="7632340" y="4977172"/>
+              <a:ext cx="504056" cy="1152128"/>
+            </a:xfrm>
+            <a:prstGeom prst="homePlate">
+              <a:avLst>
+                <a:gd name="adj" fmla="val 42147"/>
+              </a:avLst>
+            </a:prstGeom>
+            <a:solidFill>
+              <a:schemeClr val="accent1">
+                <a:lumMod val="40000"/>
+                <a:lumOff val="60000"/>
+              </a:schemeClr>
+            </a:solidFill>
+            <a:ln>
+              <a:solidFill>
+                <a:schemeClr val="accent1">
+                  <a:lumMod val="60000"/>
+                  <a:lumOff val="40000"/>
+                </a:schemeClr>
+              </a:solidFill>
+            </a:ln>
+          </p:spPr>
+          <p:style>
+            <a:lnRef idx="2">
+              <a:schemeClr val="accent1">
+                <a:shade val="50000"/>
+              </a:schemeClr>
+            </a:lnRef>
+            <a:fillRef idx="1">
+              <a:schemeClr val="accent1"/>
+            </a:fillRef>
+            <a:effectRef idx="0">
+              <a:schemeClr val="accent1"/>
+            </a:effectRef>
+            <a:fontRef idx="minor">
+              <a:schemeClr val="lt1"/>
+            </a:fontRef>
+          </p:style>
+          <p:txBody>
+            <a:bodyPr vert="vert" rtlCol="0" anchor="ctr"/>
+            <a:lstStyle/>
+            <a:p>
+              <a:pPr algn="ctr"/>
+              <a:r>
+                <a:rPr lang="es-ES" sz="1200" dirty="0" smtClean="0"/>
+                <a:t>MB_CANTX</a:t>
+              </a:r>
+              <a:endParaRPr lang="es-ES" sz="1200" dirty="0"/>
+            </a:p>
+          </p:txBody>
+        </p:sp>
+      </p:grpSp>
+      <p:grpSp>
+        <p:nvGrpSpPr>
+          <p:cNvPr id="46" name="45 Grupo"/>
+          <p:cNvGrpSpPr/>
+          <p:nvPr/>
+        </p:nvGrpSpPr>
+        <p:grpSpPr>
+          <a:xfrm>
+            <a:off x="3923928" y="3284984"/>
+            <a:ext cx="1152128" cy="1224136"/>
+            <a:chOff x="4716016" y="1412776"/>
+            <a:chExt cx="1152128" cy="1224136"/>
+          </a:xfrm>
+        </p:grpSpPr>
+        <p:sp>
+          <p:nvSpPr>
+            <p:cNvPr id="10" name="9 Proceso"/>
+            <p:cNvSpPr/>
+            <p:nvPr/>
+          </p:nvSpPr>
+          <p:spPr>
+            <a:xfrm>
+              <a:off x="4716016" y="1412776"/>
+              <a:ext cx="1152128" cy="648072"/>
+            </a:xfrm>
+            <a:prstGeom prst="flowChartProcess">
+              <a:avLst/>
+            </a:prstGeom>
+          </p:spPr>
+          <p:style>
+            <a:lnRef idx="2">
+              <a:schemeClr val="accent1">
+                <a:shade val="50000"/>
+              </a:schemeClr>
+            </a:lnRef>
+            <a:fillRef idx="1">
+              <a:schemeClr val="accent1"/>
+            </a:fillRef>
+            <a:effectRef idx="0">
+              <a:schemeClr val="accent1"/>
+            </a:effectRef>
+            <a:fontRef idx="minor">
+              <a:schemeClr val="lt1"/>
+            </a:fontRef>
+          </p:style>
+          <p:txBody>
+            <a:bodyPr rtlCol="0" anchor="ctr"/>
+            <a:lstStyle/>
+            <a:p>
+              <a:pPr algn="ctr"/>
+              <a:r>
+                <a:rPr lang="en-US" sz="1400" dirty="0" smtClean="0"/>
+                <a:t>Process</a:t>
+              </a:r>
+            </a:p>
+            <a:p>
+              <a:pPr algn="ctr"/>
+              <a:r>
+                <a:rPr lang="en-US" sz="1400" dirty="0" smtClean="0"/>
+                <a:t>Message</a:t>
+              </a:r>
+            </a:p>
+          </p:txBody>
+        </p:sp>
+        <p:sp>
+          <p:nvSpPr>
+            <p:cNvPr id="39" name="38 Pentágono"/>
+            <p:cNvSpPr/>
+            <p:nvPr/>
+          </p:nvSpPr>
+          <p:spPr>
+            <a:xfrm rot="16200000">
+              <a:off x="5040052" y="1808820"/>
+              <a:ext cx="504056" cy="1152128"/>
+            </a:xfrm>
+            <a:prstGeom prst="homePlate">
+              <a:avLst>
+                <a:gd name="adj" fmla="val 42147"/>
+              </a:avLst>
+            </a:prstGeom>
+            <a:solidFill>
+              <a:schemeClr val="accent1">
+                <a:lumMod val="40000"/>
+                <a:lumOff val="60000"/>
+              </a:schemeClr>
+            </a:solidFill>
+            <a:ln>
+              <a:solidFill>
+                <a:schemeClr val="accent1">
+                  <a:lumMod val="60000"/>
+                  <a:lumOff val="40000"/>
+                </a:schemeClr>
+              </a:solidFill>
+            </a:ln>
+          </p:spPr>
+          <p:style>
+            <a:lnRef idx="2">
+              <a:schemeClr val="accent1">
+                <a:shade val="50000"/>
+              </a:schemeClr>
+            </a:lnRef>
+            <a:fillRef idx="1">
+              <a:schemeClr val="accent1"/>
+            </a:fillRef>
+            <a:effectRef idx="0">
+              <a:schemeClr val="accent1"/>
+            </a:effectRef>
+            <a:fontRef idx="minor">
+              <a:schemeClr val="lt1"/>
+            </a:fontRef>
+          </p:style>
+          <p:txBody>
+            <a:bodyPr vert="vert" rtlCol="0" anchor="ctr"/>
+            <a:lstStyle/>
+            <a:p>
+              <a:pPr algn="ctr"/>
+              <a:r>
+                <a:rPr lang="es-ES" sz="1200" dirty="0" smtClean="0"/>
+                <a:t>MB_CANRX</a:t>
+              </a:r>
+              <a:endParaRPr lang="es-ES" sz="1200" dirty="0"/>
+            </a:p>
+          </p:txBody>
+        </p:sp>
+      </p:grpSp>
+      <p:sp>
+        <p:nvSpPr>
+          <p:cNvPr id="40" name="39 Proceso"/>
+          <p:cNvSpPr/>
+          <p:nvPr/>
+        </p:nvSpPr>
+        <p:spPr>
+          <a:xfrm>
+            <a:off x="467544" y="1340768"/>
+            <a:ext cx="1152128" cy="648072"/>
+          </a:xfrm>
+          <a:prstGeom prst="flowChartProcess">
+            <a:avLst/>
+          </a:prstGeom>
+        </p:spPr>
+        <p:style>
+          <a:lnRef idx="2">
+            <a:schemeClr val="accent1">
+              <a:shade val="50000"/>
+            </a:schemeClr>
+          </a:lnRef>
+          <a:fillRef idx="1">
+            <a:schemeClr val="accent1"/>
+          </a:fillRef>
+          <a:effectRef idx="0">
+            <a:schemeClr val="accent1"/>
+          </a:effectRef>
+          <a:fontRef idx="minor">
+            <a:schemeClr val="lt1"/>
+          </a:fontRef>
+        </p:style>
+        <p:txBody>
+          <a:bodyPr rtlCol="0" anchor="ctr"/>
+          <a:lstStyle/>
+          <a:p>
+            <a:pPr algn="ctr"/>
+            <a:r>
+              <a:rPr lang="en-US" sz="1400" dirty="0" smtClean="0"/>
+              <a:t>USB</a:t>
+            </a:r>
+            <a:endParaRPr lang="en-US" sz="1400" dirty="0" smtClean="0"/>
+          </a:p>
+        </p:txBody>
+      </p:sp>
+      <p:sp>
+        <p:nvSpPr>
+          <p:cNvPr id="42" name="41 Pentágono"/>
+          <p:cNvSpPr/>
+          <p:nvPr/>
+        </p:nvSpPr>
+        <p:spPr>
+          <a:xfrm rot="16200000">
+            <a:off x="774483" y="5553236"/>
+            <a:ext cx="216024" cy="432048"/>
+          </a:xfrm>
+          <a:prstGeom prst="homePlate">
+            <a:avLst>
+              <a:gd name="adj" fmla="val 42147"/>
+            </a:avLst>
+          </a:prstGeom>
+          <a:solidFill>
+            <a:schemeClr val="accent1">
+              <a:lumMod val="40000"/>
+              <a:lumOff val="60000"/>
+            </a:schemeClr>
+          </a:solidFill>
+          <a:ln>
+            <a:solidFill>
+              <a:schemeClr val="accent1">
+                <a:lumMod val="60000"/>
+                <a:lumOff val="40000"/>
+              </a:schemeClr>
+            </a:solidFill>
+          </a:ln>
+        </p:spPr>
+        <p:style>
+          <a:lnRef idx="2">
+            <a:schemeClr val="accent1">
+              <a:shade val="50000"/>
+            </a:schemeClr>
+          </a:lnRef>
+          <a:fillRef idx="1">
+            <a:schemeClr val="accent1"/>
+          </a:fillRef>
+          <a:effectRef idx="0">
+            <a:schemeClr val="accent1"/>
+          </a:effectRef>
+          <a:fontRef idx="minor">
+            <a:schemeClr val="lt1"/>
+          </a:fontRef>
+        </p:style>
+        <p:txBody>
+          <a:bodyPr vert="vert" rtlCol="0" anchor="ctr"/>
+          <a:lstStyle/>
+          <a:p>
+            <a:pPr algn="ctr"/>
+            <a:endParaRPr lang="es-ES" sz="1200" dirty="0" smtClean="0"/>
+          </a:p>
+        </p:txBody>
+      </p:sp>
+      <p:grpSp>
+        <p:nvGrpSpPr>
+          <p:cNvPr id="50" name="49 Grupo"/>
+          <p:cNvGrpSpPr/>
+          <p:nvPr/>
+        </p:nvGrpSpPr>
+        <p:grpSpPr>
+          <a:xfrm>
+            <a:off x="1259632" y="3284984"/>
+            <a:ext cx="1152128" cy="1224136"/>
+            <a:chOff x="4283968" y="3140968"/>
+            <a:chExt cx="1152128" cy="1224136"/>
+          </a:xfrm>
+        </p:grpSpPr>
+        <p:sp>
+          <p:nvSpPr>
+            <p:cNvPr id="41" name="40 Proceso"/>
+            <p:cNvSpPr/>
+            <p:nvPr/>
+          </p:nvSpPr>
+          <p:spPr>
+            <a:xfrm>
+              <a:off x="4283968" y="3140968"/>
+              <a:ext cx="1152128" cy="648072"/>
+            </a:xfrm>
+            <a:prstGeom prst="flowChartProcess">
+              <a:avLst/>
+            </a:prstGeom>
+          </p:spPr>
+          <p:style>
+            <a:lnRef idx="2">
+              <a:schemeClr val="accent1">
+                <a:shade val="50000"/>
+              </a:schemeClr>
+            </a:lnRef>
+            <a:fillRef idx="1">
+              <a:schemeClr val="accent1"/>
+            </a:fillRef>
+            <a:effectRef idx="0">
+              <a:schemeClr val="accent1"/>
+            </a:effectRef>
+            <a:fontRef idx="minor">
+              <a:schemeClr val="lt1"/>
+            </a:fontRef>
+          </p:style>
+          <p:txBody>
+            <a:bodyPr rtlCol="0" anchor="ctr"/>
+            <a:lstStyle/>
+            <a:p>
+              <a:pPr algn="ctr"/>
+              <a:r>
+                <a:rPr lang="en-US" sz="1400" dirty="0" smtClean="0"/>
+                <a:t>Send Gap Data</a:t>
+              </a:r>
+              <a:endParaRPr lang="en-US" sz="1400" dirty="0" smtClean="0"/>
+            </a:p>
+          </p:txBody>
+        </p:sp>
+        <p:sp>
+          <p:nvSpPr>
+            <p:cNvPr id="43" name="42 Pentágono"/>
+            <p:cNvSpPr/>
+            <p:nvPr/>
+          </p:nvSpPr>
+          <p:spPr>
+            <a:xfrm rot="16200000">
+              <a:off x="4608004" y="3537012"/>
+              <a:ext cx="504056" cy="1152128"/>
+            </a:xfrm>
+            <a:prstGeom prst="homePlate">
+              <a:avLst>
+                <a:gd name="adj" fmla="val 42147"/>
+              </a:avLst>
+            </a:prstGeom>
+            <a:solidFill>
+              <a:schemeClr val="accent1">
+                <a:lumMod val="40000"/>
+                <a:lumOff val="60000"/>
+              </a:schemeClr>
+            </a:solidFill>
+            <a:ln>
+              <a:solidFill>
+                <a:schemeClr val="accent1">
+                  <a:lumMod val="60000"/>
+                  <a:lumOff val="40000"/>
+                </a:schemeClr>
+              </a:solidFill>
+            </a:ln>
+          </p:spPr>
+          <p:style>
+            <a:lnRef idx="2">
+              <a:schemeClr val="accent1">
+                <a:shade val="50000"/>
+              </a:schemeClr>
+            </a:lnRef>
+            <a:fillRef idx="1">
+              <a:schemeClr val="accent1"/>
+            </a:fillRef>
+            <a:effectRef idx="0">
+              <a:schemeClr val="accent1"/>
+            </a:effectRef>
+            <a:fontRef idx="minor">
+              <a:schemeClr val="lt1"/>
+            </a:fontRef>
+          </p:style>
+          <p:txBody>
+            <a:bodyPr vert="vert" rtlCol="0" anchor="ctr"/>
+            <a:lstStyle/>
+            <a:p>
+              <a:pPr algn="ctr"/>
+              <a:r>
+                <a:rPr lang="es-ES" sz="1200" dirty="0" smtClean="0"/>
+                <a:t>MB_SEND_GAP</a:t>
+              </a:r>
+              <a:endParaRPr lang="es-ES" sz="1200" dirty="0"/>
+            </a:p>
+          </p:txBody>
+        </p:sp>
+      </p:grpSp>
+      <p:grpSp>
+        <p:nvGrpSpPr>
+          <p:cNvPr id="47" name="46 Grupo"/>
+          <p:cNvGrpSpPr/>
+          <p:nvPr/>
+        </p:nvGrpSpPr>
+        <p:grpSpPr>
+          <a:xfrm>
+            <a:off x="3347864" y="5013176"/>
+            <a:ext cx="2304256" cy="1224136"/>
+            <a:chOff x="6876256" y="1412776"/>
+            <a:chExt cx="2304256" cy="1224136"/>
+          </a:xfrm>
+        </p:grpSpPr>
+        <p:sp>
+          <p:nvSpPr>
+            <p:cNvPr id="8" name="7 Proceso"/>
+            <p:cNvSpPr/>
+            <p:nvPr/>
+          </p:nvSpPr>
+          <p:spPr>
+            <a:xfrm>
+              <a:off x="7452320" y="1412776"/>
+              <a:ext cx="1152128" cy="648072"/>
+            </a:xfrm>
+            <a:prstGeom prst="flowChartProcess">
+              <a:avLst/>
+            </a:prstGeom>
+          </p:spPr>
+          <p:style>
+            <a:lnRef idx="2">
+              <a:schemeClr val="accent1">
+                <a:shade val="50000"/>
+              </a:schemeClr>
+            </a:lnRef>
+            <a:fillRef idx="1">
+              <a:schemeClr val="accent1"/>
+            </a:fillRef>
+            <a:effectRef idx="0">
+              <a:schemeClr val="accent1"/>
+            </a:effectRef>
+            <a:fontRef idx="minor">
+              <a:schemeClr val="lt1"/>
+            </a:fontRef>
+          </p:style>
+          <p:txBody>
+            <a:bodyPr rtlCol="0" anchor="ctr"/>
+            <a:lstStyle/>
+            <a:p>
+              <a:pPr algn="ctr"/>
+              <a:r>
+                <a:rPr lang="en-US" sz="1400" dirty="0" smtClean="0"/>
+                <a:t>SENDA</a:t>
+              </a:r>
+            </a:p>
+          </p:txBody>
+        </p:sp>
+        <p:sp>
+          <p:nvSpPr>
+            <p:cNvPr id="38" name="37 Pentágono"/>
+            <p:cNvSpPr/>
+            <p:nvPr/>
+          </p:nvSpPr>
+          <p:spPr>
+            <a:xfrm rot="16200000">
+              <a:off x="7200292" y="1808820"/>
+              <a:ext cx="504056" cy="1152128"/>
+            </a:xfrm>
+            <a:prstGeom prst="homePlate">
+              <a:avLst>
+                <a:gd name="adj" fmla="val 42147"/>
+              </a:avLst>
+            </a:prstGeom>
+            <a:solidFill>
+              <a:schemeClr val="accent1">
+                <a:lumMod val="40000"/>
+                <a:lumOff val="60000"/>
+              </a:schemeClr>
+            </a:solidFill>
+            <a:ln>
+              <a:solidFill>
+                <a:schemeClr val="accent1">
+                  <a:lumMod val="60000"/>
+                  <a:lumOff val="40000"/>
+                </a:schemeClr>
+              </a:solidFill>
+            </a:ln>
+          </p:spPr>
+          <p:style>
+            <a:lnRef idx="2">
+              <a:schemeClr val="accent1">
+                <a:shade val="50000"/>
+              </a:schemeClr>
+            </a:lnRef>
+            <a:fillRef idx="1">
+              <a:schemeClr val="accent1"/>
+            </a:fillRef>
+            <a:effectRef idx="0">
+              <a:schemeClr val="accent1"/>
+            </a:effectRef>
+            <a:fontRef idx="minor">
+              <a:schemeClr val="lt1"/>
+            </a:fontRef>
+          </p:style>
+          <p:txBody>
+            <a:bodyPr vert="vert" rtlCol="0" anchor="ctr"/>
+            <a:lstStyle/>
+            <a:p>
+              <a:pPr algn="ctr"/>
+              <a:r>
+                <a:rPr lang="es-ES" sz="1200" dirty="0" smtClean="0"/>
+                <a:t>MB_REQUEST</a:t>
+              </a:r>
+              <a:endParaRPr lang="es-ES" sz="1200" dirty="0"/>
+            </a:p>
+          </p:txBody>
+        </p:sp>
+        <p:sp>
+          <p:nvSpPr>
+            <p:cNvPr id="44" name="43 Pentágono"/>
+            <p:cNvSpPr/>
+            <p:nvPr/>
+          </p:nvSpPr>
+          <p:spPr>
+            <a:xfrm rot="16200000">
+              <a:off x="8352420" y="1808820"/>
+              <a:ext cx="504056" cy="1152128"/>
+            </a:xfrm>
+            <a:prstGeom prst="homePlate">
+              <a:avLst>
+                <a:gd name="adj" fmla="val 42147"/>
+              </a:avLst>
+            </a:prstGeom>
+            <a:solidFill>
+              <a:schemeClr val="accent1">
+                <a:lumMod val="40000"/>
+                <a:lumOff val="60000"/>
+              </a:schemeClr>
+            </a:solidFill>
+            <a:ln>
+              <a:solidFill>
+                <a:schemeClr val="accent1">
+                  <a:lumMod val="60000"/>
+                  <a:lumOff val="40000"/>
+                </a:schemeClr>
+              </a:solidFill>
+            </a:ln>
+          </p:spPr>
+          <p:style>
+            <a:lnRef idx="2">
+              <a:schemeClr val="accent1">
+                <a:shade val="50000"/>
+              </a:schemeClr>
+            </a:lnRef>
+            <a:fillRef idx="1">
+              <a:schemeClr val="accent1"/>
+            </a:fillRef>
+            <a:effectRef idx="0">
+              <a:schemeClr val="accent1"/>
+            </a:effectRef>
+            <a:fontRef idx="minor">
+              <a:schemeClr val="lt1"/>
+            </a:fontRef>
+          </p:style>
+          <p:txBody>
+            <a:bodyPr vert="vert" rtlCol="0" anchor="ctr"/>
+            <a:lstStyle/>
+            <a:p>
+              <a:pPr algn="ctr"/>
+              <a:r>
+                <a:rPr lang="es-ES" sz="1200" dirty="0" smtClean="0"/>
+                <a:t>MB_COMMAND</a:t>
+              </a:r>
+              <a:endParaRPr lang="es-ES" sz="1200" dirty="0"/>
+            </a:p>
+          </p:txBody>
+        </p:sp>
+      </p:grpSp>
+      <p:cxnSp>
+        <p:nvCxnSpPr>
+          <p:cNvPr id="52" name="51 Conector angular"/>
+          <p:cNvCxnSpPr>
+            <a:stCxn id="11" idx="1"/>
+            <a:endCxn id="12" idx="3"/>
+          </p:cNvCxnSpPr>
+          <p:nvPr/>
+        </p:nvCxnSpPr>
+        <p:spPr>
+          <a:xfrm rot="10800000" flipV="1">
+            <a:off x="1619672" y="2312876"/>
+            <a:ext cx="1008112" cy="144016"/>
+          </a:xfrm>
+          <a:prstGeom prst="bentConnector3">
+            <a:avLst>
+              <a:gd name="adj1" fmla="val 50000"/>
+            </a:avLst>
+          </a:prstGeom>
+          <a:ln w="38100">
+            <a:solidFill>
+              <a:schemeClr val="accent3"/>
+            </a:solidFill>
+            <a:tailEnd type="arrow"/>
+          </a:ln>
+        </p:spPr>
+        <p:style>
+          <a:lnRef idx="1">
+            <a:schemeClr val="accent1"/>
+          </a:lnRef>
+          <a:fillRef idx="0">
+            <a:schemeClr val="accent1"/>
+          </a:fillRef>
+          <a:effectRef idx="0">
+            <a:schemeClr val="accent1"/>
+          </a:effectRef>
+          <a:fontRef idx="minor">
+            <a:schemeClr val="tx1"/>
+          </a:fontRef>
+        </p:style>
+      </p:cxnSp>
+      <p:cxnSp>
+        <p:nvCxnSpPr>
+          <p:cNvPr id="56" name="55 Conector angular"/>
+          <p:cNvCxnSpPr>
+            <a:stCxn id="9" idx="0"/>
+            <a:endCxn id="11" idx="3"/>
+          </p:cNvCxnSpPr>
+          <p:nvPr/>
+        </p:nvCxnSpPr>
+        <p:spPr>
+          <a:xfrm rot="16200000" flipH="1" flipV="1">
+            <a:off x="5490481" y="266395"/>
+            <a:ext cx="335911" cy="3757049"/>
+          </a:xfrm>
+          <a:prstGeom prst="bentConnector4">
+            <a:avLst>
+              <a:gd name="adj1" fmla="val -68054"/>
+              <a:gd name="adj2" fmla="val 57666"/>
+            </a:avLst>
+          </a:prstGeom>
+          <a:ln w="38100">
+            <a:solidFill>
+              <a:schemeClr val="accent3"/>
+            </a:solidFill>
+            <a:tailEnd type="arrow"/>
+          </a:ln>
+        </p:spPr>
+        <p:style>
+          <a:lnRef idx="1">
+            <a:schemeClr val="accent1"/>
+          </a:lnRef>
+          <a:fillRef idx="0">
+            <a:schemeClr val="accent1"/>
+          </a:fillRef>
+          <a:effectRef idx="0">
+            <a:schemeClr val="accent1"/>
+          </a:effectRef>
+          <a:fontRef idx="minor">
+            <a:schemeClr val="tx1"/>
+          </a:fontRef>
+        </p:style>
+      </p:cxnSp>
+      <p:cxnSp>
+        <p:nvCxnSpPr>
+          <p:cNvPr id="58" name="57 Conector angular"/>
+          <p:cNvCxnSpPr>
+            <a:stCxn id="41" idx="0"/>
+            <a:endCxn id="11" idx="2"/>
+          </p:cNvCxnSpPr>
+          <p:nvPr/>
+        </p:nvCxnSpPr>
+        <p:spPr>
+          <a:xfrm rot="5400000" flipH="1" flipV="1">
+            <a:off x="2195736" y="2276872"/>
+            <a:ext cx="648072" cy="1368152"/>
+          </a:xfrm>
+          <a:prstGeom prst="bentConnector3">
+            <a:avLst>
+              <a:gd name="adj1" fmla="val 50000"/>
+            </a:avLst>
+          </a:prstGeom>
+          <a:ln w="38100">
+            <a:solidFill>
+              <a:schemeClr val="accent3"/>
+            </a:solidFill>
+            <a:tailEnd type="arrow"/>
+          </a:ln>
+        </p:spPr>
+        <p:style>
+          <a:lnRef idx="1">
+            <a:schemeClr val="accent1"/>
+          </a:lnRef>
+          <a:fillRef idx="0">
+            <a:schemeClr val="accent1"/>
+          </a:fillRef>
+          <a:effectRef idx="0">
+            <a:schemeClr val="accent1"/>
+          </a:effectRef>
+          <a:fontRef idx="minor">
+            <a:schemeClr val="tx1"/>
+          </a:fontRef>
+        </p:style>
+      </p:cxnSp>
+      <p:cxnSp>
+        <p:nvCxnSpPr>
+          <p:cNvPr id="59" name="58 Conector angular"/>
+          <p:cNvCxnSpPr>
+            <a:stCxn id="10" idx="0"/>
+            <a:endCxn id="11" idx="2"/>
+          </p:cNvCxnSpPr>
+          <p:nvPr/>
+        </p:nvCxnSpPr>
+        <p:spPr>
+          <a:xfrm rot="16200000" flipV="1">
+            <a:off x="3527884" y="2312876"/>
+            <a:ext cx="648072" cy="1296144"/>
+          </a:xfrm>
+          <a:prstGeom prst="bentConnector3">
+            <a:avLst>
+              <a:gd name="adj1" fmla="val 50000"/>
+            </a:avLst>
+          </a:prstGeom>
+          <a:ln w="38100">
+            <a:solidFill>
+              <a:schemeClr val="accent3"/>
+            </a:solidFill>
+            <a:tailEnd type="arrow"/>
+          </a:ln>
+        </p:spPr>
+        <p:style>
+          <a:lnRef idx="1">
+            <a:schemeClr val="accent1"/>
+          </a:lnRef>
+          <a:fillRef idx="0">
+            <a:schemeClr val="accent1"/>
+          </a:fillRef>
+          <a:effectRef idx="0">
+            <a:schemeClr val="accent1"/>
+          </a:effectRef>
+          <a:fontRef idx="minor">
+            <a:schemeClr val="tx1"/>
+          </a:fontRef>
+        </p:style>
+      </p:cxnSp>
+      <p:cxnSp>
+        <p:nvCxnSpPr>
+          <p:cNvPr id="63" name="62 Conector angular"/>
+          <p:cNvCxnSpPr>
+            <a:stCxn id="40" idx="3"/>
+            <a:endCxn id="11" idx="0"/>
+          </p:cNvCxnSpPr>
+          <p:nvPr/>
+        </p:nvCxnSpPr>
+        <p:spPr>
+          <a:xfrm>
+            <a:off x="1619672" y="1664804"/>
+            <a:ext cx="1584176" cy="324036"/>
+          </a:xfrm>
+          <a:prstGeom prst="bentConnector2">
+            <a:avLst/>
+          </a:prstGeom>
+          <a:ln w="38100">
+            <a:solidFill>
+              <a:schemeClr val="accent3"/>
+            </a:solidFill>
+            <a:tailEnd type="arrow"/>
+          </a:ln>
+        </p:spPr>
+        <p:style>
+          <a:lnRef idx="1">
+            <a:schemeClr val="accent1"/>
+          </a:lnRef>
+          <a:fillRef idx="0">
+            <a:schemeClr val="accent1"/>
+          </a:fillRef>
+          <a:effectRef idx="0">
+            <a:schemeClr val="accent1"/>
+          </a:effectRef>
+          <a:fontRef idx="minor">
+            <a:schemeClr val="tx1"/>
+          </a:fontRef>
+        </p:style>
+      </p:cxnSp>
+      <p:cxnSp>
+        <p:nvCxnSpPr>
+          <p:cNvPr id="74" name="62 Conector angular"/>
+          <p:cNvCxnSpPr>
+            <a:stCxn id="9" idx="3"/>
+            <a:endCxn id="36" idx="2"/>
+          </p:cNvCxnSpPr>
+          <p:nvPr/>
+        </p:nvCxnSpPr>
+        <p:spPr>
+          <a:xfrm flipH="1">
+            <a:off x="8100392" y="2301001"/>
+            <a:ext cx="12633" cy="3790505"/>
+          </a:xfrm>
+          <a:prstGeom prst="bentConnector3">
+            <a:avLst>
+              <a:gd name="adj1" fmla="val -3407592"/>
+            </a:avLst>
+          </a:prstGeom>
+          <a:ln w="38100">
+            <a:solidFill>
+              <a:srgbClr val="FFC000"/>
+            </a:solidFill>
+            <a:tailEnd type="arrow"/>
+          </a:ln>
+        </p:spPr>
+        <p:style>
+          <a:lnRef idx="1">
+            <a:schemeClr val="accent1"/>
+          </a:lnRef>
+          <a:fillRef idx="0">
+            <a:schemeClr val="accent1"/>
+          </a:fillRef>
+          <a:effectRef idx="0">
+            <a:schemeClr val="accent1"/>
+          </a:effectRef>
+          <a:fontRef idx="minor">
+            <a:schemeClr val="tx1"/>
+          </a:fontRef>
+        </p:style>
+      </p:cxnSp>
+      <p:cxnSp>
+        <p:nvCxnSpPr>
+          <p:cNvPr id="77" name="62 Conector angular"/>
+          <p:cNvCxnSpPr>
+            <a:stCxn id="10" idx="1"/>
+            <a:endCxn id="43" idx="1"/>
+          </p:cNvCxnSpPr>
+          <p:nvPr/>
+        </p:nvCxnSpPr>
+        <p:spPr>
+          <a:xfrm rot="10800000" flipV="1">
+            <a:off x="1835696" y="3609020"/>
+            <a:ext cx="2088232" cy="900100"/>
+          </a:xfrm>
+          <a:prstGeom prst="bentConnector4">
+            <a:avLst>
+              <a:gd name="adj1" fmla="val 22925"/>
+              <a:gd name="adj2" fmla="val 161397"/>
+            </a:avLst>
+          </a:prstGeom>
+          <a:ln w="38100">
+            <a:solidFill>
+              <a:srgbClr val="FFC000"/>
+            </a:solidFill>
+            <a:tailEnd type="arrow"/>
+          </a:ln>
+        </p:spPr>
+        <p:style>
+          <a:lnRef idx="1">
+            <a:schemeClr val="accent1"/>
+          </a:lnRef>
+          <a:fillRef idx="0">
+            <a:schemeClr val="accent1"/>
+          </a:fillRef>
+          <a:effectRef idx="0">
+            <a:schemeClr val="accent1"/>
+          </a:effectRef>
+          <a:fontRef idx="minor">
+            <a:schemeClr val="tx1"/>
+          </a:fontRef>
+        </p:style>
+      </p:cxnSp>
+      <p:cxnSp>
+        <p:nvCxnSpPr>
+          <p:cNvPr id="81" name="62 Conector angular"/>
+          <p:cNvCxnSpPr>
+            <a:endCxn id="33" idx="0"/>
+          </p:cNvCxnSpPr>
+          <p:nvPr/>
+        </p:nvCxnSpPr>
+        <p:spPr>
+          <a:xfrm flipV="1">
+            <a:off x="5076056" y="3055295"/>
+            <a:ext cx="1872208" cy="373705"/>
+          </a:xfrm>
+          <a:prstGeom prst="bentConnector3">
+            <a:avLst>
+              <a:gd name="adj1" fmla="val 50000"/>
+            </a:avLst>
+          </a:prstGeom>
+          <a:ln w="38100">
+            <a:solidFill>
+              <a:srgbClr val="FFC000"/>
+            </a:solidFill>
+            <a:tailEnd type="arrow"/>
+          </a:ln>
+        </p:spPr>
+        <p:style>
+          <a:lnRef idx="1">
+            <a:schemeClr val="accent1"/>
+          </a:lnRef>
+          <a:fillRef idx="0">
+            <a:schemeClr val="accent1"/>
+          </a:fillRef>
+          <a:effectRef idx="0">
+            <a:schemeClr val="accent1"/>
+          </a:effectRef>
+          <a:fontRef idx="minor">
+            <a:schemeClr val="tx1"/>
+          </a:fontRef>
+        </p:style>
+      </p:cxnSp>
+      <p:cxnSp>
+        <p:nvCxnSpPr>
+          <p:cNvPr id="84" name="62 Conector angular"/>
+          <p:cNvCxnSpPr>
+            <a:stCxn id="10" idx="3"/>
+            <a:endCxn id="36" idx="0"/>
+          </p:cNvCxnSpPr>
+          <p:nvPr/>
+        </p:nvCxnSpPr>
+        <p:spPr>
+          <a:xfrm>
+            <a:off x="5076056" y="3609020"/>
+            <a:ext cx="1872208" cy="2482486"/>
+          </a:xfrm>
+          <a:prstGeom prst="bentConnector3">
+            <a:avLst>
+              <a:gd name="adj1" fmla="val 69029"/>
+            </a:avLst>
+          </a:prstGeom>
+          <a:ln w="38100">
+            <a:solidFill>
+              <a:srgbClr val="FFC000"/>
+            </a:solidFill>
+            <a:tailEnd type="arrow"/>
+          </a:ln>
+        </p:spPr>
+        <p:style>
+          <a:lnRef idx="1">
+            <a:schemeClr val="accent1"/>
+          </a:lnRef>
+          <a:fillRef idx="0">
+            <a:schemeClr val="accent1"/>
+          </a:fillRef>
+          <a:effectRef idx="0">
+            <a:schemeClr val="accent1"/>
+          </a:effectRef>
+          <a:fontRef idx="minor">
+            <a:schemeClr val="tx1"/>
+          </a:fontRef>
+        </p:style>
+      </p:cxnSp>
+      <p:cxnSp>
+        <p:nvCxnSpPr>
+          <p:cNvPr id="87" name="62 Conector angular"/>
+          <p:cNvCxnSpPr>
+            <a:stCxn id="10" idx="3"/>
+            <a:endCxn id="44" idx="1"/>
+          </p:cNvCxnSpPr>
+          <p:nvPr/>
+        </p:nvCxnSpPr>
+        <p:spPr>
+          <a:xfrm>
+            <a:off x="5076056" y="3609020"/>
+            <a:ext cx="12700" cy="2628292"/>
+          </a:xfrm>
+          <a:prstGeom prst="bentConnector4">
+            <a:avLst>
+              <a:gd name="adj1" fmla="val 5472671"/>
+              <a:gd name="adj2" fmla="val 108375"/>
+            </a:avLst>
+          </a:prstGeom>
+          <a:ln w="38100">
+            <a:solidFill>
+              <a:srgbClr val="FFC000"/>
+            </a:solidFill>
+            <a:tailEnd type="arrow"/>
+          </a:ln>
+        </p:spPr>
+        <p:style>
+          <a:lnRef idx="1">
+            <a:schemeClr val="accent1"/>
+          </a:lnRef>
+          <a:fillRef idx="0">
+            <a:schemeClr val="accent1"/>
+          </a:fillRef>
+          <a:effectRef idx="0">
+            <a:schemeClr val="accent1"/>
+          </a:effectRef>
+          <a:fontRef idx="minor">
+            <a:schemeClr val="tx1"/>
+          </a:fontRef>
+        </p:style>
+      </p:cxnSp>
+      <p:cxnSp>
+        <p:nvCxnSpPr>
+          <p:cNvPr id="90" name="62 Conector angular"/>
+          <p:cNvCxnSpPr>
+            <a:stCxn id="7" idx="1"/>
+            <a:endCxn id="39" idx="2"/>
+          </p:cNvCxnSpPr>
+          <p:nvPr/>
+        </p:nvCxnSpPr>
+        <p:spPr>
+          <a:xfrm rot="10800000" flipV="1">
+            <a:off x="5076057" y="3825044"/>
+            <a:ext cx="1884083" cy="538270"/>
+          </a:xfrm>
+          <a:prstGeom prst="bentConnector3">
+            <a:avLst>
+              <a:gd name="adj1" fmla="val 51261"/>
+            </a:avLst>
+          </a:prstGeom>
+          <a:ln w="38100">
+            <a:solidFill>
+              <a:srgbClr val="FFC000"/>
+            </a:solidFill>
+            <a:tailEnd type="arrow"/>
+          </a:ln>
+        </p:spPr>
+        <p:style>
+          <a:lnRef idx="1">
+            <a:schemeClr val="accent1"/>
+          </a:lnRef>
+          <a:fillRef idx="0">
+            <a:schemeClr val="accent1"/>
+          </a:fillRef>
+          <a:effectRef idx="0">
+            <a:schemeClr val="accent1"/>
+          </a:effectRef>
+          <a:fontRef idx="minor">
+            <a:schemeClr val="tx1"/>
+          </a:fontRef>
+        </p:style>
+      </p:cxnSp>
+      <p:cxnSp>
+        <p:nvCxnSpPr>
+          <p:cNvPr id="93" name="62 Conector angular"/>
+          <p:cNvCxnSpPr>
+            <a:stCxn id="41" idx="3"/>
+            <a:endCxn id="38" idx="1"/>
+          </p:cNvCxnSpPr>
+          <p:nvPr/>
+        </p:nvCxnSpPr>
+        <p:spPr>
+          <a:xfrm>
+            <a:off x="2411760" y="3609020"/>
+            <a:ext cx="1512168" cy="2628292"/>
+          </a:xfrm>
+          <a:prstGeom prst="bentConnector4">
+            <a:avLst>
+              <a:gd name="adj1" fmla="val 47165"/>
+              <a:gd name="adj2" fmla="val 108698"/>
+            </a:avLst>
+          </a:prstGeom>
+          <a:ln w="38100">
+            <a:solidFill>
+              <a:srgbClr val="FFC000"/>
+            </a:solidFill>
+            <a:tailEnd type="arrow"/>
+          </a:ln>
+        </p:spPr>
+        <p:style>
+          <a:lnRef idx="1">
+            <a:schemeClr val="accent1"/>
+          </a:lnRef>
+          <a:fillRef idx="0">
+            <a:schemeClr val="accent1"/>
+          </a:fillRef>
+          <a:effectRef idx="0">
+            <a:schemeClr val="accent1"/>
+          </a:effectRef>
+          <a:fontRef idx="minor">
+            <a:schemeClr val="tx1"/>
+          </a:fontRef>
+        </p:style>
+      </p:cxnSp>
+      <p:cxnSp>
+        <p:nvCxnSpPr>
+          <p:cNvPr id="96" name="62 Conector angular"/>
+          <p:cNvCxnSpPr>
+            <a:stCxn id="8" idx="3"/>
+          </p:cNvCxnSpPr>
+          <p:nvPr/>
+        </p:nvCxnSpPr>
+        <p:spPr>
+          <a:xfrm>
+            <a:off x="5076056" y="5337212"/>
+            <a:ext cx="1872208" cy="900100"/>
+          </a:xfrm>
+          <a:prstGeom prst="bentConnector3">
+            <a:avLst>
+              <a:gd name="adj1" fmla="val 50000"/>
+            </a:avLst>
+          </a:prstGeom>
+          <a:ln w="38100">
+            <a:solidFill>
+              <a:srgbClr val="FFC000"/>
+            </a:solidFill>
+            <a:tailEnd type="arrow"/>
+          </a:ln>
+        </p:spPr>
+        <p:style>
+          <a:lnRef idx="1">
+            <a:schemeClr val="accent1"/>
+          </a:lnRef>
+          <a:fillRef idx="0">
+            <a:schemeClr val="accent1"/>
+          </a:fillRef>
+          <a:effectRef idx="0">
+            <a:schemeClr val="accent1"/>
+          </a:effectRef>
+          <a:fontRef idx="minor">
+            <a:schemeClr val="tx1"/>
+          </a:fontRef>
+        </p:style>
+      </p:cxnSp>
+      <p:cxnSp>
+        <p:nvCxnSpPr>
+          <p:cNvPr id="99" name="62 Conector angular"/>
+          <p:cNvCxnSpPr>
+            <a:stCxn id="41" idx="3"/>
+            <a:endCxn id="36" idx="1"/>
+          </p:cNvCxnSpPr>
+          <p:nvPr/>
+        </p:nvCxnSpPr>
+        <p:spPr>
+          <a:xfrm>
+            <a:off x="2411760" y="3609020"/>
+            <a:ext cx="5112568" cy="2628292"/>
+          </a:xfrm>
+          <a:prstGeom prst="bentConnector4">
+            <a:avLst>
+              <a:gd name="adj1" fmla="val 7816"/>
+              <a:gd name="adj2" fmla="val 115476"/>
+            </a:avLst>
+          </a:prstGeom>
+          <a:ln w="38100">
+            <a:solidFill>
+              <a:srgbClr val="FFC000"/>
+            </a:solidFill>
+            <a:tailEnd type="arrow"/>
+          </a:ln>
+        </p:spPr>
+        <p:style>
+          <a:lnRef idx="1">
+            <a:schemeClr val="accent1"/>
+          </a:lnRef>
+          <a:fillRef idx="0">
+            <a:schemeClr val="accent1"/>
+          </a:fillRef>
+          <a:effectRef idx="0">
+            <a:schemeClr val="accent1"/>
+          </a:effectRef>
+          <a:fontRef idx="minor">
+            <a:schemeClr val="tx1"/>
+          </a:fontRef>
+        </p:style>
+      </p:cxnSp>
+      <p:sp>
+        <p:nvSpPr>
+          <p:cNvPr id="140" name="139 CuadroTexto"/>
+          <p:cNvSpPr txBox="1"/>
+          <p:nvPr/>
+        </p:nvSpPr>
+        <p:spPr>
+          <a:xfrm>
+            <a:off x="1170526" y="6285570"/>
+            <a:ext cx="1457258" cy="307777"/>
+          </a:xfrm>
+          <a:prstGeom prst="rect">
+            <a:avLst/>
+          </a:prstGeom>
+          <a:noFill/>
+        </p:spPr>
+        <p:txBody>
+          <a:bodyPr wrap="none" rtlCol="0">
+            <a:spAutoFit/>
+          </a:bodyPr>
+          <a:lstStyle/>
+          <a:p>
+            <a:r>
+              <a:rPr lang="en-US" sz="1400" dirty="0" smtClean="0">
                 <a:solidFill>
                   <a:schemeClr val="tx1">
                     <a:lumMod val="75000"/>
                     <a:lumOff val="25000"/>
                   </a:schemeClr>
                 </a:solidFill>
-              </a:endParaRPr>
-            </a:p>
-          </p:txBody>
-        </p:sp>
-        <p:sp>
-          <p:nvSpPr>
-            <p:cNvPr id="233" name="232 CuadroTexto"/>
-            <p:cNvSpPr txBox="1"/>
-            <p:nvPr/>
-          </p:nvSpPr>
-          <p:spPr>
-            <a:xfrm>
-              <a:off x="7092280" y="6021288"/>
-              <a:ext cx="772647" cy="307777"/>
-            </a:xfrm>
-            <a:prstGeom prst="rect">
-              <a:avLst/>
-            </a:prstGeom>
-            <a:noFill/>
-          </p:spPr>
-          <p:txBody>
-            <a:bodyPr wrap="none" rtlCol="0">
-              <a:spAutoFit/>
-            </a:bodyPr>
-            <a:lstStyle/>
-            <a:p>
-              <a:r>
-                <a:rPr lang="en-US" sz="1400" smtClean="0">
-                  <a:solidFill>
-                    <a:schemeClr val="tx1">
-                      <a:lumMod val="75000"/>
-                      <a:lumOff val="25000"/>
-                    </a:schemeClr>
-                  </a:solidFill>
-                </a:rPr>
-                <a:t>Mailbox</a:t>
-              </a:r>
-              <a:endParaRPr lang="en-US" sz="1400">
+              </a:rPr>
+              <a:t>Mailbox</a:t>
+            </a:r>
+            <a:r>
+              <a:rPr lang="en-US" sz="1400" dirty="0" smtClean="0">
                 <a:solidFill>
                   <a:schemeClr val="tx1">
                     <a:lumMod val="75000"/>
                     <a:lumOff val="25000"/>
                   </a:schemeClr>
                 </a:solidFill>
-              </a:endParaRPr>
-            </a:p>
-          </p:txBody>
-        </p:sp>
-        <p:sp>
-          <p:nvSpPr>
-            <p:cNvPr id="234" name="233 CuadroTexto"/>
-            <p:cNvSpPr txBox="1"/>
-            <p:nvPr/>
-          </p:nvSpPr>
-          <p:spPr>
-            <a:xfrm>
-              <a:off x="7092280" y="6381328"/>
-              <a:ext cx="829201" cy="307777"/>
-            </a:xfrm>
-            <a:prstGeom prst="rect">
-              <a:avLst/>
-            </a:prstGeom>
-            <a:noFill/>
-          </p:spPr>
-          <p:txBody>
-            <a:bodyPr wrap="none" rtlCol="0">
-              <a:spAutoFit/>
-            </a:bodyPr>
-            <a:lstStyle/>
-            <a:p>
-              <a:r>
-                <a:rPr lang="en-US" sz="1400" smtClean="0">
-                  <a:solidFill>
-                    <a:schemeClr val="tx1">
-                      <a:lumMod val="75000"/>
-                      <a:lumOff val="25000"/>
-                    </a:schemeClr>
-                  </a:solidFill>
-                </a:rPr>
-                <a:t>Message</a:t>
-              </a:r>
-              <a:endParaRPr lang="en-US" sz="1400">
-                <a:solidFill>
-                  <a:schemeClr val="tx1">
-                    <a:lumMod val="75000"/>
-                    <a:lumOff val="25000"/>
-                  </a:schemeClr>
-                </a:solidFill>
-              </a:endParaRPr>
-            </a:p>
-          </p:txBody>
-        </p:sp>
-      </p:grpSp>
+              </a:rPr>
+              <a:t> Message</a:t>
+            </a:r>
+            <a:endParaRPr lang="en-US" sz="1400" dirty="0">
+              <a:solidFill>
+                <a:schemeClr val="tx1">
+                  <a:lumMod val="75000"/>
+                  <a:lumOff val="25000"/>
+                </a:schemeClr>
+              </a:solidFill>
+            </a:endParaRPr>
+          </a:p>
+        </p:txBody>
+      </p:sp>
+      <p:cxnSp>
+        <p:nvCxnSpPr>
+          <p:cNvPr id="141" name="55 Conector angular"/>
+          <p:cNvCxnSpPr/>
+          <p:nvPr/>
+        </p:nvCxnSpPr>
+        <p:spPr>
+          <a:xfrm flipH="1">
+            <a:off x="666470" y="6117803"/>
+            <a:ext cx="432051" cy="1"/>
+          </a:xfrm>
+          <a:prstGeom prst="straightConnector1">
+            <a:avLst/>
+          </a:prstGeom>
+          <a:ln w="38100">
+            <a:solidFill>
+              <a:schemeClr val="accent3"/>
+            </a:solidFill>
+            <a:headEnd type="arrow" w="med" len="med"/>
+            <a:tailEnd type="none" w="med" len="med"/>
+          </a:ln>
+        </p:spPr>
+        <p:style>
+          <a:lnRef idx="1">
+            <a:schemeClr val="accent1"/>
+          </a:lnRef>
+          <a:fillRef idx="0">
+            <a:schemeClr val="accent1"/>
+          </a:fillRef>
+          <a:effectRef idx="0">
+            <a:schemeClr val="accent1"/>
+          </a:effectRef>
+          <a:fontRef idx="minor">
+            <a:schemeClr val="tx1"/>
+          </a:fontRef>
+        </p:style>
+      </p:cxnSp>
+      <p:cxnSp>
+        <p:nvCxnSpPr>
+          <p:cNvPr id="144" name="55 Conector angular"/>
+          <p:cNvCxnSpPr/>
+          <p:nvPr/>
+        </p:nvCxnSpPr>
+        <p:spPr>
+          <a:xfrm flipH="1">
+            <a:off x="666470" y="6429586"/>
+            <a:ext cx="432051" cy="1"/>
+          </a:xfrm>
+          <a:prstGeom prst="straightConnector1">
+            <a:avLst/>
+          </a:prstGeom>
+          <a:ln w="38100">
+            <a:solidFill>
+              <a:srgbClr val="FFC000"/>
+            </a:solidFill>
+            <a:headEnd type="arrow" w="med" len="med"/>
+            <a:tailEnd type="none" w="med" len="med"/>
+          </a:ln>
+        </p:spPr>
+        <p:style>
+          <a:lnRef idx="1">
+            <a:schemeClr val="accent1"/>
+          </a:lnRef>
+          <a:fillRef idx="0">
+            <a:schemeClr val="accent1"/>
+          </a:fillRef>
+          <a:effectRef idx="0">
+            <a:schemeClr val="accent1"/>
+          </a:effectRef>
+          <a:fontRef idx="minor">
+            <a:schemeClr val="tx1"/>
+          </a:fontRef>
+        </p:style>
+      </p:cxnSp>
     </p:spTree>
   </p:cSld>
   <p:clrMapOvr>
